--- a/zookillsoccer_07_start/assets/image assets/ZooKill Soccer Game Design Document.pptx
+++ b/zookillsoccer_07_start/assets/image assets/ZooKill Soccer Game Design Document.pptx
@@ -5,7 +5,7 @@
     <p:sldMasterId id="2147483648" r:id="rId1"/>
   </p:sldMasterIdLst>
   <p:notesMasterIdLst>
-    <p:notesMasterId r:id="rId14"/>
+    <p:notesMasterId r:id="rId15"/>
   </p:notesMasterIdLst>
   <p:sldIdLst>
     <p:sldId id="256" r:id="rId2"/>
@@ -20,6 +20,7 @@
     <p:sldId id="262" r:id="rId11"/>
     <p:sldId id="279" r:id="rId12"/>
     <p:sldId id="280" r:id="rId13"/>
+    <p:sldId id="287" r:id="rId14"/>
   </p:sldIdLst>
   <p:sldSz cx="9144000" cy="6858000" type="screen4x3"/>
   <p:notesSz cx="6858000" cy="9144000"/>
@@ -219,7 +220,7 @@
           <a:p>
             <a:fld id="{4F0537FE-F022-2844-9D1D-DF99D48E5E2F}" type="datetimeFigureOut">
               <a:rPr lang="en-US" smtClean="0"/>
-              <a:t>12/5/16</a:t>
+              <a:t>12/6/16</a:t>
             </a:fld>
             <a:endParaRPr lang="en-US"/>
           </a:p>
@@ -752,7 +753,7 @@
           <a:p>
             <a:fld id="{14C9F191-5DFD-4C62-B838-AC695C885212}" type="datetimeFigureOut">
               <a:rPr lang="en-US" smtClean="0"/>
-              <a:t>12/5/16</a:t>
+              <a:t>12/6/16</a:t>
             </a:fld>
             <a:endParaRPr lang="en-US"/>
           </a:p>
@@ -922,7 +923,7 @@
           <a:p>
             <a:fld id="{14C9F191-5DFD-4C62-B838-AC695C885212}" type="datetimeFigureOut">
               <a:rPr lang="en-US" smtClean="0"/>
-              <a:t>12/5/16</a:t>
+              <a:t>12/6/16</a:t>
             </a:fld>
             <a:endParaRPr lang="en-US"/>
           </a:p>
@@ -1102,7 +1103,7 @@
           <a:p>
             <a:fld id="{14C9F191-5DFD-4C62-B838-AC695C885212}" type="datetimeFigureOut">
               <a:rPr lang="en-US" smtClean="0"/>
-              <a:t>12/5/16</a:t>
+              <a:t>12/6/16</a:t>
             </a:fld>
             <a:endParaRPr lang="en-US"/>
           </a:p>
@@ -1272,7 +1273,7 @@
           <a:p>
             <a:fld id="{14C9F191-5DFD-4C62-B838-AC695C885212}" type="datetimeFigureOut">
               <a:rPr lang="en-US" smtClean="0"/>
-              <a:t>12/5/16</a:t>
+              <a:t>12/6/16</a:t>
             </a:fld>
             <a:endParaRPr lang="en-US"/>
           </a:p>
@@ -1518,7 +1519,7 @@
           <a:p>
             <a:fld id="{14C9F191-5DFD-4C62-B838-AC695C885212}" type="datetimeFigureOut">
               <a:rPr lang="en-US" smtClean="0"/>
-              <a:t>12/5/16</a:t>
+              <a:t>12/6/16</a:t>
             </a:fld>
             <a:endParaRPr lang="en-US"/>
           </a:p>
@@ -1806,7 +1807,7 @@
           <a:p>
             <a:fld id="{14C9F191-5DFD-4C62-B838-AC695C885212}" type="datetimeFigureOut">
               <a:rPr lang="en-US" smtClean="0"/>
-              <a:t>12/5/16</a:t>
+              <a:t>12/6/16</a:t>
             </a:fld>
             <a:endParaRPr lang="en-US"/>
           </a:p>
@@ -2228,7 +2229,7 @@
           <a:p>
             <a:fld id="{14C9F191-5DFD-4C62-B838-AC695C885212}" type="datetimeFigureOut">
               <a:rPr lang="en-US" smtClean="0"/>
-              <a:t>12/5/16</a:t>
+              <a:t>12/6/16</a:t>
             </a:fld>
             <a:endParaRPr lang="en-US"/>
           </a:p>
@@ -2346,7 +2347,7 @@
           <a:p>
             <a:fld id="{14C9F191-5DFD-4C62-B838-AC695C885212}" type="datetimeFigureOut">
               <a:rPr lang="en-US" smtClean="0"/>
-              <a:t>12/5/16</a:t>
+              <a:t>12/6/16</a:t>
             </a:fld>
             <a:endParaRPr lang="en-US"/>
           </a:p>
@@ -2441,7 +2442,7 @@
           <a:p>
             <a:fld id="{14C9F191-5DFD-4C62-B838-AC695C885212}" type="datetimeFigureOut">
               <a:rPr lang="en-US" smtClean="0"/>
-              <a:t>12/5/16</a:t>
+              <a:t>12/6/16</a:t>
             </a:fld>
             <a:endParaRPr lang="en-US"/>
           </a:p>
@@ -2718,7 +2719,7 @@
           <a:p>
             <a:fld id="{14C9F191-5DFD-4C62-B838-AC695C885212}" type="datetimeFigureOut">
               <a:rPr lang="en-US" smtClean="0"/>
-              <a:t>12/5/16</a:t>
+              <a:t>12/6/16</a:t>
             </a:fld>
             <a:endParaRPr lang="en-US"/>
           </a:p>
@@ -2971,7 +2972,7 @@
           <a:p>
             <a:fld id="{14C9F191-5DFD-4C62-B838-AC695C885212}" type="datetimeFigureOut">
               <a:rPr lang="en-US" smtClean="0"/>
-              <a:t>12/5/16</a:t>
+              <a:t>12/6/16</a:t>
             </a:fld>
             <a:endParaRPr lang="en-US"/>
           </a:p>
@@ -3184,7 +3185,7 @@
           <a:p>
             <a:fld id="{14C9F191-5DFD-4C62-B838-AC695C885212}" type="datetimeFigureOut">
               <a:rPr lang="en-US" smtClean="0"/>
-              <a:t>12/5/16</a:t>
+              <a:t>12/6/16</a:t>
             </a:fld>
             <a:endParaRPr lang="en-US"/>
           </a:p>
@@ -8095,6 +8096,2933 @@
     <p:extLst>
       <p:ext uri="{BB962C8B-B14F-4D97-AF65-F5344CB8AC3E}">
         <p14:creationId xmlns:p14="http://schemas.microsoft.com/office/powerpoint/2010/main" val="1185433470"/>
+      </p:ext>
+    </p:extLst>
+  </p:cSld>
+  <p:clrMapOvr>
+    <a:masterClrMapping/>
+  </p:clrMapOvr>
+</p:sld>
+</file>
+
+<file path=ppt/slides/slide13.xml><?xml version="1.0" encoding="utf-8"?>
+<p:sld xmlns:a="http://schemas.openxmlformats.org/drawingml/2006/main" xmlns:r="http://schemas.openxmlformats.org/officeDocument/2006/relationships" xmlns:p="http://schemas.openxmlformats.org/presentationml/2006/main">
+  <p:cSld>
+    <p:spTree>
+      <p:nvGrpSpPr>
+        <p:cNvPr id="1" name=""/>
+        <p:cNvGrpSpPr/>
+        <p:nvPr/>
+      </p:nvGrpSpPr>
+      <p:grpSpPr>
+        <a:xfrm>
+          <a:off x="0" y="0"/>
+          <a:ext cx="0" cy="0"/>
+          <a:chOff x="0" y="0"/>
+          <a:chExt cx="0" cy="0"/>
+        </a:xfrm>
+      </p:grpSpPr>
+      <p:sp>
+        <p:nvSpPr>
+          <p:cNvPr id="2" name="Title 1"/>
+          <p:cNvSpPr>
+            <a:spLocks noGrp="1"/>
+          </p:cNvSpPr>
+          <p:nvPr>
+            <p:ph type="title"/>
+          </p:nvPr>
+        </p:nvSpPr>
+        <p:spPr/>
+        <p:txBody>
+          <a:bodyPr/>
+          <a:lstStyle/>
+          <a:p>
+            <a:r>
+              <a:rPr lang="en-US" dirty="0" smtClean="0"/>
+              <a:t>Game Compositing-</a:t>
+            </a:r>
+            <a:r>
+              <a:rPr lang="en-US" dirty="0" err="1" smtClean="0"/>
+              <a:t>GameScreen</a:t>
+            </a:r>
+            <a:endParaRPr lang="en-US" dirty="0"/>
+          </a:p>
+        </p:txBody>
+      </p:sp>
+      <p:sp>
+        <p:nvSpPr>
+          <p:cNvPr id="4" name="Content Placeholder 3"/>
+          <p:cNvSpPr txBox="1">
+            <a:spLocks noGrp="1"/>
+          </p:cNvSpPr>
+          <p:nvPr>
+            <p:ph idx="1"/>
+          </p:nvPr>
+        </p:nvSpPr>
+        <p:spPr>
+          <a:xfrm>
+            <a:off x="3657600" y="1676400"/>
+            <a:ext cx="1371600" cy="586699"/>
+          </a:xfrm>
+          <a:prstGeom prst="snip2DiagRect">
+            <a:avLst/>
+          </a:prstGeom>
+          <a:solidFill>
+            <a:schemeClr val="bg2">
+              <a:lumMod val="90000"/>
+            </a:schemeClr>
+          </a:solidFill>
+          <a:ln w="9525" cap="flat" cmpd="sng" algn="ctr">
+            <a:solidFill>
+              <a:schemeClr val="tx1"/>
+            </a:solidFill>
+            <a:prstDash val="solid"/>
+          </a:ln>
+        </p:spPr>
+        <p:style>
+          <a:lnRef idx="1">
+            <a:schemeClr val="accent1"/>
+          </a:lnRef>
+          <a:fillRef idx="3">
+            <a:schemeClr val="accent1"/>
+          </a:fillRef>
+          <a:effectRef idx="2">
+            <a:schemeClr val="accent1"/>
+          </a:effectRef>
+          <a:fontRef idx="minor">
+            <a:schemeClr val="lt1"/>
+          </a:fontRef>
+        </p:style>
+        <p:txBody>
+          <a:bodyPr vert="horz" lIns="91440" tIns="45720" rIns="91440" bIns="45720" rtlCol="0" anchor="ctr">
+            <a:normAutofit fontScale="47500" lnSpcReduction="20000"/>
+          </a:bodyPr>
+          <a:lstStyle>
+            <a:lvl1pPr marL="342900" indent="-342900" algn="l" defTabSz="914400" rtl="0" eaLnBrk="1" latinLnBrk="0" hangingPunct="1">
+              <a:spcBef>
+                <a:spcPct val="20000"/>
+              </a:spcBef>
+              <a:buFont typeface="Arial" panose="020B0604020202020204" pitchFamily="34" charset="0"/>
+              <a:buChar char="•"/>
+              <a:defRPr sz="3200" kern="1200">
+                <a:solidFill>
+                  <a:schemeClr val="lt1"/>
+                </a:solidFill>
+                <a:latin typeface="+mn-lt"/>
+                <a:ea typeface="+mn-ea"/>
+                <a:cs typeface="+mn-cs"/>
+              </a:defRPr>
+            </a:lvl1pPr>
+            <a:lvl2pPr marL="742950" indent="-285750" algn="l" defTabSz="914400" rtl="0" eaLnBrk="1" latinLnBrk="0" hangingPunct="1">
+              <a:spcBef>
+                <a:spcPct val="20000"/>
+              </a:spcBef>
+              <a:buFont typeface="Arial" panose="020B0604020202020204" pitchFamily="34" charset="0"/>
+              <a:buChar char="–"/>
+              <a:defRPr sz="2800" kern="1200">
+                <a:solidFill>
+                  <a:schemeClr val="lt1"/>
+                </a:solidFill>
+                <a:latin typeface="+mn-lt"/>
+                <a:ea typeface="+mn-ea"/>
+                <a:cs typeface="+mn-cs"/>
+              </a:defRPr>
+            </a:lvl2pPr>
+            <a:lvl3pPr marL="1143000" indent="-228600" algn="l" defTabSz="914400" rtl="0" eaLnBrk="1" latinLnBrk="0" hangingPunct="1">
+              <a:spcBef>
+                <a:spcPct val="20000"/>
+              </a:spcBef>
+              <a:buFont typeface="Arial" panose="020B0604020202020204" pitchFamily="34" charset="0"/>
+              <a:buChar char="•"/>
+              <a:defRPr sz="2400" kern="1200">
+                <a:solidFill>
+                  <a:schemeClr val="lt1"/>
+                </a:solidFill>
+                <a:latin typeface="+mn-lt"/>
+                <a:ea typeface="+mn-ea"/>
+                <a:cs typeface="+mn-cs"/>
+              </a:defRPr>
+            </a:lvl3pPr>
+            <a:lvl4pPr marL="1600200" indent="-228600" algn="l" defTabSz="914400" rtl="0" eaLnBrk="1" latinLnBrk="0" hangingPunct="1">
+              <a:spcBef>
+                <a:spcPct val="20000"/>
+              </a:spcBef>
+              <a:buFont typeface="Arial" panose="020B0604020202020204" pitchFamily="34" charset="0"/>
+              <a:buChar char="–"/>
+              <a:defRPr sz="2000" kern="1200">
+                <a:solidFill>
+                  <a:schemeClr val="lt1"/>
+                </a:solidFill>
+                <a:latin typeface="+mn-lt"/>
+                <a:ea typeface="+mn-ea"/>
+                <a:cs typeface="+mn-cs"/>
+              </a:defRPr>
+            </a:lvl4pPr>
+            <a:lvl5pPr marL="2057400" indent="-228600" algn="l" defTabSz="914400" rtl="0" eaLnBrk="1" latinLnBrk="0" hangingPunct="1">
+              <a:spcBef>
+                <a:spcPct val="20000"/>
+              </a:spcBef>
+              <a:buFont typeface="Arial" panose="020B0604020202020204" pitchFamily="34" charset="0"/>
+              <a:buChar char="»"/>
+              <a:defRPr sz="2000" kern="1200">
+                <a:solidFill>
+                  <a:schemeClr val="lt1"/>
+                </a:solidFill>
+                <a:latin typeface="+mn-lt"/>
+                <a:ea typeface="+mn-ea"/>
+                <a:cs typeface="+mn-cs"/>
+              </a:defRPr>
+            </a:lvl5pPr>
+            <a:lvl6pPr marL="2514600" indent="-228600" algn="l" defTabSz="914400" rtl="0" eaLnBrk="1" latinLnBrk="0" hangingPunct="1">
+              <a:spcBef>
+                <a:spcPct val="20000"/>
+              </a:spcBef>
+              <a:buFont typeface="Arial" panose="020B0604020202020204" pitchFamily="34" charset="0"/>
+              <a:buChar char="•"/>
+              <a:defRPr sz="2000" kern="1200">
+                <a:solidFill>
+                  <a:schemeClr val="lt1"/>
+                </a:solidFill>
+                <a:latin typeface="+mn-lt"/>
+                <a:ea typeface="+mn-ea"/>
+                <a:cs typeface="+mn-cs"/>
+              </a:defRPr>
+            </a:lvl6pPr>
+            <a:lvl7pPr marL="2971800" indent="-228600" algn="l" defTabSz="914400" rtl="0" eaLnBrk="1" latinLnBrk="0" hangingPunct="1">
+              <a:spcBef>
+                <a:spcPct val="20000"/>
+              </a:spcBef>
+              <a:buFont typeface="Arial" panose="020B0604020202020204" pitchFamily="34" charset="0"/>
+              <a:buChar char="•"/>
+              <a:defRPr sz="2000" kern="1200">
+                <a:solidFill>
+                  <a:schemeClr val="lt1"/>
+                </a:solidFill>
+                <a:latin typeface="+mn-lt"/>
+                <a:ea typeface="+mn-ea"/>
+                <a:cs typeface="+mn-cs"/>
+              </a:defRPr>
+            </a:lvl7pPr>
+            <a:lvl8pPr marL="3429000" indent="-228600" algn="l" defTabSz="914400" rtl="0" eaLnBrk="1" latinLnBrk="0" hangingPunct="1">
+              <a:spcBef>
+                <a:spcPct val="20000"/>
+              </a:spcBef>
+              <a:buFont typeface="Arial" panose="020B0604020202020204" pitchFamily="34" charset="0"/>
+              <a:buChar char="•"/>
+              <a:defRPr sz="2000" kern="1200">
+                <a:solidFill>
+                  <a:schemeClr val="lt1"/>
+                </a:solidFill>
+                <a:latin typeface="+mn-lt"/>
+                <a:ea typeface="+mn-ea"/>
+                <a:cs typeface="+mn-cs"/>
+              </a:defRPr>
+            </a:lvl8pPr>
+            <a:lvl9pPr marL="3886200" indent="-228600" algn="l" defTabSz="914400" rtl="0" eaLnBrk="1" latinLnBrk="0" hangingPunct="1">
+              <a:spcBef>
+                <a:spcPct val="20000"/>
+              </a:spcBef>
+              <a:buFont typeface="Arial" panose="020B0604020202020204" pitchFamily="34" charset="0"/>
+              <a:buChar char="•"/>
+              <a:defRPr sz="2000" kern="1200">
+                <a:solidFill>
+                  <a:schemeClr val="lt1"/>
+                </a:solidFill>
+                <a:latin typeface="+mn-lt"/>
+                <a:ea typeface="+mn-ea"/>
+                <a:cs typeface="+mn-cs"/>
+              </a:defRPr>
+            </a:lvl9pPr>
+          </a:lstStyle>
+          <a:p>
+            <a:pPr marL="0" indent="0" algn="ctr">
+              <a:buFont typeface="Arial" panose="020B0604020202020204" pitchFamily="34" charset="0"/>
+              <a:buNone/>
+            </a:pPr>
+            <a:r>
+              <a:rPr lang="en-US" dirty="0" err="1" smtClean="0">
+                <a:solidFill>
+                  <a:schemeClr val="tx1"/>
+                </a:solidFill>
+              </a:rPr>
+              <a:t>GameScreen</a:t>
+            </a:r>
+            <a:endParaRPr lang="en-US" dirty="0">
+              <a:solidFill>
+                <a:schemeClr val="tx1"/>
+              </a:solidFill>
+            </a:endParaRPr>
+          </a:p>
+        </p:txBody>
+      </p:sp>
+      <p:sp>
+        <p:nvSpPr>
+          <p:cNvPr id="5" name="Content Placeholder 3"/>
+          <p:cNvSpPr txBox="1">
+            <a:spLocks/>
+          </p:cNvSpPr>
+          <p:nvPr/>
+        </p:nvSpPr>
+        <p:spPr>
+          <a:xfrm>
+            <a:off x="2337871" y="2942715"/>
+            <a:ext cx="948223" cy="521486"/>
+          </a:xfrm>
+          <a:prstGeom prst="snip2DiagRect">
+            <a:avLst/>
+          </a:prstGeom>
+          <a:solidFill>
+            <a:schemeClr val="bg2">
+              <a:lumMod val="90000"/>
+            </a:schemeClr>
+          </a:solidFill>
+          <a:ln w="9525" cap="flat" cmpd="sng" algn="ctr">
+            <a:solidFill>
+              <a:schemeClr val="tx1"/>
+            </a:solidFill>
+            <a:prstDash val="solid"/>
+          </a:ln>
+        </p:spPr>
+        <p:style>
+          <a:lnRef idx="1">
+            <a:schemeClr val="accent1"/>
+          </a:lnRef>
+          <a:fillRef idx="3">
+            <a:schemeClr val="accent1"/>
+          </a:fillRef>
+          <a:effectRef idx="2">
+            <a:schemeClr val="accent1"/>
+          </a:effectRef>
+          <a:fontRef idx="minor">
+            <a:schemeClr val="lt1"/>
+          </a:fontRef>
+        </p:style>
+        <p:txBody>
+          <a:bodyPr vert="horz" lIns="91440" tIns="45720" rIns="91440" bIns="45720" rtlCol="0" anchor="ctr">
+            <a:normAutofit fontScale="85000" lnSpcReduction="20000"/>
+          </a:bodyPr>
+          <a:lstStyle>
+            <a:lvl1pPr marL="342900" indent="-342900" algn="l" defTabSz="914400" rtl="0" eaLnBrk="1" latinLnBrk="0" hangingPunct="1">
+              <a:spcBef>
+                <a:spcPct val="20000"/>
+              </a:spcBef>
+              <a:buFont typeface="Arial" panose="020B0604020202020204" pitchFamily="34" charset="0"/>
+              <a:buChar char="•"/>
+              <a:defRPr sz="3200" kern="1200">
+                <a:solidFill>
+                  <a:schemeClr val="lt1"/>
+                </a:solidFill>
+                <a:latin typeface="+mn-lt"/>
+                <a:ea typeface="+mn-ea"/>
+                <a:cs typeface="+mn-cs"/>
+              </a:defRPr>
+            </a:lvl1pPr>
+            <a:lvl2pPr marL="742950" indent="-285750" algn="l" defTabSz="914400" rtl="0" eaLnBrk="1" latinLnBrk="0" hangingPunct="1">
+              <a:spcBef>
+                <a:spcPct val="20000"/>
+              </a:spcBef>
+              <a:buFont typeface="Arial" panose="020B0604020202020204" pitchFamily="34" charset="0"/>
+              <a:buChar char="–"/>
+              <a:defRPr sz="2800" kern="1200">
+                <a:solidFill>
+                  <a:schemeClr val="lt1"/>
+                </a:solidFill>
+                <a:latin typeface="+mn-lt"/>
+                <a:ea typeface="+mn-ea"/>
+                <a:cs typeface="+mn-cs"/>
+              </a:defRPr>
+            </a:lvl2pPr>
+            <a:lvl3pPr marL="1143000" indent="-228600" algn="l" defTabSz="914400" rtl="0" eaLnBrk="1" latinLnBrk="0" hangingPunct="1">
+              <a:spcBef>
+                <a:spcPct val="20000"/>
+              </a:spcBef>
+              <a:buFont typeface="Arial" panose="020B0604020202020204" pitchFamily="34" charset="0"/>
+              <a:buChar char="•"/>
+              <a:defRPr sz="2400" kern="1200">
+                <a:solidFill>
+                  <a:schemeClr val="lt1"/>
+                </a:solidFill>
+                <a:latin typeface="+mn-lt"/>
+                <a:ea typeface="+mn-ea"/>
+                <a:cs typeface="+mn-cs"/>
+              </a:defRPr>
+            </a:lvl3pPr>
+            <a:lvl4pPr marL="1600200" indent="-228600" algn="l" defTabSz="914400" rtl="0" eaLnBrk="1" latinLnBrk="0" hangingPunct="1">
+              <a:spcBef>
+                <a:spcPct val="20000"/>
+              </a:spcBef>
+              <a:buFont typeface="Arial" panose="020B0604020202020204" pitchFamily="34" charset="0"/>
+              <a:buChar char="–"/>
+              <a:defRPr sz="2000" kern="1200">
+                <a:solidFill>
+                  <a:schemeClr val="lt1"/>
+                </a:solidFill>
+                <a:latin typeface="+mn-lt"/>
+                <a:ea typeface="+mn-ea"/>
+                <a:cs typeface="+mn-cs"/>
+              </a:defRPr>
+            </a:lvl4pPr>
+            <a:lvl5pPr marL="2057400" indent="-228600" algn="l" defTabSz="914400" rtl="0" eaLnBrk="1" latinLnBrk="0" hangingPunct="1">
+              <a:spcBef>
+                <a:spcPct val="20000"/>
+              </a:spcBef>
+              <a:buFont typeface="Arial" panose="020B0604020202020204" pitchFamily="34" charset="0"/>
+              <a:buChar char="»"/>
+              <a:defRPr sz="2000" kern="1200">
+                <a:solidFill>
+                  <a:schemeClr val="lt1"/>
+                </a:solidFill>
+                <a:latin typeface="+mn-lt"/>
+                <a:ea typeface="+mn-ea"/>
+                <a:cs typeface="+mn-cs"/>
+              </a:defRPr>
+            </a:lvl5pPr>
+            <a:lvl6pPr marL="2514600" indent="-228600" algn="l" defTabSz="914400" rtl="0" eaLnBrk="1" latinLnBrk="0" hangingPunct="1">
+              <a:spcBef>
+                <a:spcPct val="20000"/>
+              </a:spcBef>
+              <a:buFont typeface="Arial" panose="020B0604020202020204" pitchFamily="34" charset="0"/>
+              <a:buChar char="•"/>
+              <a:defRPr sz="2000" kern="1200">
+                <a:solidFill>
+                  <a:schemeClr val="lt1"/>
+                </a:solidFill>
+                <a:latin typeface="+mn-lt"/>
+                <a:ea typeface="+mn-ea"/>
+                <a:cs typeface="+mn-cs"/>
+              </a:defRPr>
+            </a:lvl6pPr>
+            <a:lvl7pPr marL="2971800" indent="-228600" algn="l" defTabSz="914400" rtl="0" eaLnBrk="1" latinLnBrk="0" hangingPunct="1">
+              <a:spcBef>
+                <a:spcPct val="20000"/>
+              </a:spcBef>
+              <a:buFont typeface="Arial" panose="020B0604020202020204" pitchFamily="34" charset="0"/>
+              <a:buChar char="•"/>
+              <a:defRPr sz="2000" kern="1200">
+                <a:solidFill>
+                  <a:schemeClr val="lt1"/>
+                </a:solidFill>
+                <a:latin typeface="+mn-lt"/>
+                <a:ea typeface="+mn-ea"/>
+                <a:cs typeface="+mn-cs"/>
+              </a:defRPr>
+            </a:lvl7pPr>
+            <a:lvl8pPr marL="3429000" indent="-228600" algn="l" defTabSz="914400" rtl="0" eaLnBrk="1" latinLnBrk="0" hangingPunct="1">
+              <a:spcBef>
+                <a:spcPct val="20000"/>
+              </a:spcBef>
+              <a:buFont typeface="Arial" panose="020B0604020202020204" pitchFamily="34" charset="0"/>
+              <a:buChar char="•"/>
+              <a:defRPr sz="2000" kern="1200">
+                <a:solidFill>
+                  <a:schemeClr val="lt1"/>
+                </a:solidFill>
+                <a:latin typeface="+mn-lt"/>
+                <a:ea typeface="+mn-ea"/>
+                <a:cs typeface="+mn-cs"/>
+              </a:defRPr>
+            </a:lvl8pPr>
+            <a:lvl9pPr marL="3886200" indent="-228600" algn="l" defTabSz="914400" rtl="0" eaLnBrk="1" latinLnBrk="0" hangingPunct="1">
+              <a:spcBef>
+                <a:spcPct val="20000"/>
+              </a:spcBef>
+              <a:buFont typeface="Arial" panose="020B0604020202020204" pitchFamily="34" charset="0"/>
+              <a:buChar char="•"/>
+              <a:defRPr sz="2000" kern="1200">
+                <a:solidFill>
+                  <a:schemeClr val="lt1"/>
+                </a:solidFill>
+                <a:latin typeface="+mn-lt"/>
+                <a:ea typeface="+mn-ea"/>
+                <a:cs typeface="+mn-cs"/>
+              </a:defRPr>
+            </a:lvl9pPr>
+          </a:lstStyle>
+          <a:p>
+            <a:pPr marL="0" indent="0" algn="ctr">
+              <a:buFont typeface="Arial" panose="020B0604020202020204" pitchFamily="34" charset="0"/>
+              <a:buNone/>
+            </a:pPr>
+            <a:r>
+              <a:rPr lang="en-US" dirty="0" smtClean="0">
+                <a:solidFill>
+                  <a:schemeClr val="tx1"/>
+                </a:solidFill>
+              </a:rPr>
+              <a:t>Zoo</a:t>
+            </a:r>
+            <a:endParaRPr lang="en-US" dirty="0">
+              <a:solidFill>
+                <a:schemeClr val="tx1"/>
+              </a:solidFill>
+            </a:endParaRPr>
+          </a:p>
+        </p:txBody>
+      </p:sp>
+      <p:sp>
+        <p:nvSpPr>
+          <p:cNvPr id="6" name="Content Placeholder 3"/>
+          <p:cNvSpPr txBox="1">
+            <a:spLocks/>
+          </p:cNvSpPr>
+          <p:nvPr/>
+        </p:nvSpPr>
+        <p:spPr>
+          <a:xfrm>
+            <a:off x="6177441" y="1682124"/>
+            <a:ext cx="948223" cy="521486"/>
+          </a:xfrm>
+          <a:prstGeom prst="snip2DiagRect">
+            <a:avLst/>
+          </a:prstGeom>
+          <a:solidFill>
+            <a:schemeClr val="bg2">
+              <a:lumMod val="90000"/>
+            </a:schemeClr>
+          </a:solidFill>
+          <a:ln w="9525" cap="flat" cmpd="sng" algn="ctr">
+            <a:solidFill>
+              <a:schemeClr val="tx1"/>
+            </a:solidFill>
+            <a:prstDash val="solid"/>
+          </a:ln>
+        </p:spPr>
+        <p:style>
+          <a:lnRef idx="1">
+            <a:schemeClr val="accent1"/>
+          </a:lnRef>
+          <a:fillRef idx="3">
+            <a:schemeClr val="accent1"/>
+          </a:fillRef>
+          <a:effectRef idx="2">
+            <a:schemeClr val="accent1"/>
+          </a:effectRef>
+          <a:fontRef idx="minor">
+            <a:schemeClr val="lt1"/>
+          </a:fontRef>
+        </p:style>
+        <p:txBody>
+          <a:bodyPr vert="horz" lIns="91440" tIns="45720" rIns="91440" bIns="45720" rtlCol="0" anchor="ctr">
+            <a:normAutofit fontScale="70000" lnSpcReduction="20000"/>
+          </a:bodyPr>
+          <a:lstStyle>
+            <a:lvl1pPr marL="342900" indent="-342900" algn="l" defTabSz="914400" rtl="0" eaLnBrk="1" latinLnBrk="0" hangingPunct="1">
+              <a:spcBef>
+                <a:spcPct val="20000"/>
+              </a:spcBef>
+              <a:buFont typeface="Arial" panose="020B0604020202020204" pitchFamily="34" charset="0"/>
+              <a:buChar char="•"/>
+              <a:defRPr sz="3200" kern="1200">
+                <a:solidFill>
+                  <a:schemeClr val="lt1"/>
+                </a:solidFill>
+                <a:latin typeface="+mn-lt"/>
+                <a:ea typeface="+mn-ea"/>
+                <a:cs typeface="+mn-cs"/>
+              </a:defRPr>
+            </a:lvl1pPr>
+            <a:lvl2pPr marL="742950" indent="-285750" algn="l" defTabSz="914400" rtl="0" eaLnBrk="1" latinLnBrk="0" hangingPunct="1">
+              <a:spcBef>
+                <a:spcPct val="20000"/>
+              </a:spcBef>
+              <a:buFont typeface="Arial" panose="020B0604020202020204" pitchFamily="34" charset="0"/>
+              <a:buChar char="–"/>
+              <a:defRPr sz="2800" kern="1200">
+                <a:solidFill>
+                  <a:schemeClr val="lt1"/>
+                </a:solidFill>
+                <a:latin typeface="+mn-lt"/>
+                <a:ea typeface="+mn-ea"/>
+                <a:cs typeface="+mn-cs"/>
+              </a:defRPr>
+            </a:lvl2pPr>
+            <a:lvl3pPr marL="1143000" indent="-228600" algn="l" defTabSz="914400" rtl="0" eaLnBrk="1" latinLnBrk="0" hangingPunct="1">
+              <a:spcBef>
+                <a:spcPct val="20000"/>
+              </a:spcBef>
+              <a:buFont typeface="Arial" panose="020B0604020202020204" pitchFamily="34" charset="0"/>
+              <a:buChar char="•"/>
+              <a:defRPr sz="2400" kern="1200">
+                <a:solidFill>
+                  <a:schemeClr val="lt1"/>
+                </a:solidFill>
+                <a:latin typeface="+mn-lt"/>
+                <a:ea typeface="+mn-ea"/>
+                <a:cs typeface="+mn-cs"/>
+              </a:defRPr>
+            </a:lvl3pPr>
+            <a:lvl4pPr marL="1600200" indent="-228600" algn="l" defTabSz="914400" rtl="0" eaLnBrk="1" latinLnBrk="0" hangingPunct="1">
+              <a:spcBef>
+                <a:spcPct val="20000"/>
+              </a:spcBef>
+              <a:buFont typeface="Arial" panose="020B0604020202020204" pitchFamily="34" charset="0"/>
+              <a:buChar char="–"/>
+              <a:defRPr sz="2000" kern="1200">
+                <a:solidFill>
+                  <a:schemeClr val="lt1"/>
+                </a:solidFill>
+                <a:latin typeface="+mn-lt"/>
+                <a:ea typeface="+mn-ea"/>
+                <a:cs typeface="+mn-cs"/>
+              </a:defRPr>
+            </a:lvl4pPr>
+            <a:lvl5pPr marL="2057400" indent="-228600" algn="l" defTabSz="914400" rtl="0" eaLnBrk="1" latinLnBrk="0" hangingPunct="1">
+              <a:spcBef>
+                <a:spcPct val="20000"/>
+              </a:spcBef>
+              <a:buFont typeface="Arial" panose="020B0604020202020204" pitchFamily="34" charset="0"/>
+              <a:buChar char="»"/>
+              <a:defRPr sz="2000" kern="1200">
+                <a:solidFill>
+                  <a:schemeClr val="lt1"/>
+                </a:solidFill>
+                <a:latin typeface="+mn-lt"/>
+                <a:ea typeface="+mn-ea"/>
+                <a:cs typeface="+mn-cs"/>
+              </a:defRPr>
+            </a:lvl5pPr>
+            <a:lvl6pPr marL="2514600" indent="-228600" algn="l" defTabSz="914400" rtl="0" eaLnBrk="1" latinLnBrk="0" hangingPunct="1">
+              <a:spcBef>
+                <a:spcPct val="20000"/>
+              </a:spcBef>
+              <a:buFont typeface="Arial" panose="020B0604020202020204" pitchFamily="34" charset="0"/>
+              <a:buChar char="•"/>
+              <a:defRPr sz="2000" kern="1200">
+                <a:solidFill>
+                  <a:schemeClr val="lt1"/>
+                </a:solidFill>
+                <a:latin typeface="+mn-lt"/>
+                <a:ea typeface="+mn-ea"/>
+                <a:cs typeface="+mn-cs"/>
+              </a:defRPr>
+            </a:lvl6pPr>
+            <a:lvl7pPr marL="2971800" indent="-228600" algn="l" defTabSz="914400" rtl="0" eaLnBrk="1" latinLnBrk="0" hangingPunct="1">
+              <a:spcBef>
+                <a:spcPct val="20000"/>
+              </a:spcBef>
+              <a:buFont typeface="Arial" panose="020B0604020202020204" pitchFamily="34" charset="0"/>
+              <a:buChar char="•"/>
+              <a:defRPr sz="2000" kern="1200">
+                <a:solidFill>
+                  <a:schemeClr val="lt1"/>
+                </a:solidFill>
+                <a:latin typeface="+mn-lt"/>
+                <a:ea typeface="+mn-ea"/>
+                <a:cs typeface="+mn-cs"/>
+              </a:defRPr>
+            </a:lvl7pPr>
+            <a:lvl8pPr marL="3429000" indent="-228600" algn="l" defTabSz="914400" rtl="0" eaLnBrk="1" latinLnBrk="0" hangingPunct="1">
+              <a:spcBef>
+                <a:spcPct val="20000"/>
+              </a:spcBef>
+              <a:buFont typeface="Arial" panose="020B0604020202020204" pitchFamily="34" charset="0"/>
+              <a:buChar char="•"/>
+              <a:defRPr sz="2000" kern="1200">
+                <a:solidFill>
+                  <a:schemeClr val="lt1"/>
+                </a:solidFill>
+                <a:latin typeface="+mn-lt"/>
+                <a:ea typeface="+mn-ea"/>
+                <a:cs typeface="+mn-cs"/>
+              </a:defRPr>
+            </a:lvl8pPr>
+            <a:lvl9pPr marL="3886200" indent="-228600" algn="l" defTabSz="914400" rtl="0" eaLnBrk="1" latinLnBrk="0" hangingPunct="1">
+              <a:spcBef>
+                <a:spcPct val="20000"/>
+              </a:spcBef>
+              <a:buFont typeface="Arial" panose="020B0604020202020204" pitchFamily="34" charset="0"/>
+              <a:buChar char="•"/>
+              <a:defRPr sz="2000" kern="1200">
+                <a:solidFill>
+                  <a:schemeClr val="lt1"/>
+                </a:solidFill>
+                <a:latin typeface="+mn-lt"/>
+                <a:ea typeface="+mn-ea"/>
+                <a:cs typeface="+mn-cs"/>
+              </a:defRPr>
+            </a:lvl9pPr>
+          </a:lstStyle>
+          <a:p>
+            <a:pPr marL="0" indent="0" algn="ctr">
+              <a:buFont typeface="Arial" panose="020B0604020202020204" pitchFamily="34" charset="0"/>
+              <a:buNone/>
+            </a:pPr>
+            <a:r>
+              <a:rPr lang="en-US" smtClean="0">
+                <a:solidFill>
+                  <a:schemeClr val="tx1"/>
+                </a:solidFill>
+              </a:rPr>
+              <a:t>Score</a:t>
+            </a:r>
+            <a:endParaRPr lang="en-US" dirty="0">
+              <a:solidFill>
+                <a:schemeClr val="tx1"/>
+              </a:solidFill>
+            </a:endParaRPr>
+          </a:p>
+        </p:txBody>
+      </p:sp>
+      <p:sp>
+        <p:nvSpPr>
+          <p:cNvPr id="7" name="Content Placeholder 3"/>
+          <p:cNvSpPr txBox="1">
+            <a:spLocks/>
+          </p:cNvSpPr>
+          <p:nvPr/>
+        </p:nvSpPr>
+        <p:spPr>
+          <a:xfrm>
+            <a:off x="718852" y="4632042"/>
+            <a:ext cx="948223" cy="521486"/>
+          </a:xfrm>
+          <a:prstGeom prst="snip2DiagRect">
+            <a:avLst/>
+          </a:prstGeom>
+          <a:solidFill>
+            <a:schemeClr val="bg2">
+              <a:lumMod val="90000"/>
+            </a:schemeClr>
+          </a:solidFill>
+          <a:ln w="9525" cap="flat" cmpd="sng" algn="ctr">
+            <a:solidFill>
+              <a:schemeClr val="tx1"/>
+            </a:solidFill>
+            <a:prstDash val="solid"/>
+          </a:ln>
+        </p:spPr>
+        <p:style>
+          <a:lnRef idx="1">
+            <a:schemeClr val="accent1"/>
+          </a:lnRef>
+          <a:fillRef idx="3">
+            <a:schemeClr val="accent1"/>
+          </a:fillRef>
+          <a:effectRef idx="2">
+            <a:schemeClr val="accent1"/>
+          </a:effectRef>
+          <a:fontRef idx="minor">
+            <a:schemeClr val="lt1"/>
+          </a:fontRef>
+        </p:style>
+        <p:txBody>
+          <a:bodyPr vert="horz" lIns="91440" tIns="45720" rIns="91440" bIns="45720" rtlCol="0" anchor="ctr">
+            <a:normAutofit fontScale="85000" lnSpcReduction="20000"/>
+          </a:bodyPr>
+          <a:lstStyle>
+            <a:lvl1pPr marL="342900" indent="-342900" algn="l" defTabSz="914400" rtl="0" eaLnBrk="1" latinLnBrk="0" hangingPunct="1">
+              <a:spcBef>
+                <a:spcPct val="20000"/>
+              </a:spcBef>
+              <a:buFont typeface="Arial" panose="020B0604020202020204" pitchFamily="34" charset="0"/>
+              <a:buChar char="•"/>
+              <a:defRPr sz="3200" kern="1200">
+                <a:solidFill>
+                  <a:schemeClr val="lt1"/>
+                </a:solidFill>
+                <a:latin typeface="+mn-lt"/>
+                <a:ea typeface="+mn-ea"/>
+                <a:cs typeface="+mn-cs"/>
+              </a:defRPr>
+            </a:lvl1pPr>
+            <a:lvl2pPr marL="742950" indent="-285750" algn="l" defTabSz="914400" rtl="0" eaLnBrk="1" latinLnBrk="0" hangingPunct="1">
+              <a:spcBef>
+                <a:spcPct val="20000"/>
+              </a:spcBef>
+              <a:buFont typeface="Arial" panose="020B0604020202020204" pitchFamily="34" charset="0"/>
+              <a:buChar char="–"/>
+              <a:defRPr sz="2800" kern="1200">
+                <a:solidFill>
+                  <a:schemeClr val="lt1"/>
+                </a:solidFill>
+                <a:latin typeface="+mn-lt"/>
+                <a:ea typeface="+mn-ea"/>
+                <a:cs typeface="+mn-cs"/>
+              </a:defRPr>
+            </a:lvl2pPr>
+            <a:lvl3pPr marL="1143000" indent="-228600" algn="l" defTabSz="914400" rtl="0" eaLnBrk="1" latinLnBrk="0" hangingPunct="1">
+              <a:spcBef>
+                <a:spcPct val="20000"/>
+              </a:spcBef>
+              <a:buFont typeface="Arial" panose="020B0604020202020204" pitchFamily="34" charset="0"/>
+              <a:buChar char="•"/>
+              <a:defRPr sz="2400" kern="1200">
+                <a:solidFill>
+                  <a:schemeClr val="lt1"/>
+                </a:solidFill>
+                <a:latin typeface="+mn-lt"/>
+                <a:ea typeface="+mn-ea"/>
+                <a:cs typeface="+mn-cs"/>
+              </a:defRPr>
+            </a:lvl3pPr>
+            <a:lvl4pPr marL="1600200" indent="-228600" algn="l" defTabSz="914400" rtl="0" eaLnBrk="1" latinLnBrk="0" hangingPunct="1">
+              <a:spcBef>
+                <a:spcPct val="20000"/>
+              </a:spcBef>
+              <a:buFont typeface="Arial" panose="020B0604020202020204" pitchFamily="34" charset="0"/>
+              <a:buChar char="–"/>
+              <a:defRPr sz="2000" kern="1200">
+                <a:solidFill>
+                  <a:schemeClr val="lt1"/>
+                </a:solidFill>
+                <a:latin typeface="+mn-lt"/>
+                <a:ea typeface="+mn-ea"/>
+                <a:cs typeface="+mn-cs"/>
+              </a:defRPr>
+            </a:lvl4pPr>
+            <a:lvl5pPr marL="2057400" indent="-228600" algn="l" defTabSz="914400" rtl="0" eaLnBrk="1" latinLnBrk="0" hangingPunct="1">
+              <a:spcBef>
+                <a:spcPct val="20000"/>
+              </a:spcBef>
+              <a:buFont typeface="Arial" panose="020B0604020202020204" pitchFamily="34" charset="0"/>
+              <a:buChar char="»"/>
+              <a:defRPr sz="2000" kern="1200">
+                <a:solidFill>
+                  <a:schemeClr val="lt1"/>
+                </a:solidFill>
+                <a:latin typeface="+mn-lt"/>
+                <a:ea typeface="+mn-ea"/>
+                <a:cs typeface="+mn-cs"/>
+              </a:defRPr>
+            </a:lvl5pPr>
+            <a:lvl6pPr marL="2514600" indent="-228600" algn="l" defTabSz="914400" rtl="0" eaLnBrk="1" latinLnBrk="0" hangingPunct="1">
+              <a:spcBef>
+                <a:spcPct val="20000"/>
+              </a:spcBef>
+              <a:buFont typeface="Arial" panose="020B0604020202020204" pitchFamily="34" charset="0"/>
+              <a:buChar char="•"/>
+              <a:defRPr sz="2000" kern="1200">
+                <a:solidFill>
+                  <a:schemeClr val="lt1"/>
+                </a:solidFill>
+                <a:latin typeface="+mn-lt"/>
+                <a:ea typeface="+mn-ea"/>
+                <a:cs typeface="+mn-cs"/>
+              </a:defRPr>
+            </a:lvl6pPr>
+            <a:lvl7pPr marL="2971800" indent="-228600" algn="l" defTabSz="914400" rtl="0" eaLnBrk="1" latinLnBrk="0" hangingPunct="1">
+              <a:spcBef>
+                <a:spcPct val="20000"/>
+              </a:spcBef>
+              <a:buFont typeface="Arial" panose="020B0604020202020204" pitchFamily="34" charset="0"/>
+              <a:buChar char="•"/>
+              <a:defRPr sz="2000" kern="1200">
+                <a:solidFill>
+                  <a:schemeClr val="lt1"/>
+                </a:solidFill>
+                <a:latin typeface="+mn-lt"/>
+                <a:ea typeface="+mn-ea"/>
+                <a:cs typeface="+mn-cs"/>
+              </a:defRPr>
+            </a:lvl7pPr>
+            <a:lvl8pPr marL="3429000" indent="-228600" algn="l" defTabSz="914400" rtl="0" eaLnBrk="1" latinLnBrk="0" hangingPunct="1">
+              <a:spcBef>
+                <a:spcPct val="20000"/>
+              </a:spcBef>
+              <a:buFont typeface="Arial" panose="020B0604020202020204" pitchFamily="34" charset="0"/>
+              <a:buChar char="•"/>
+              <a:defRPr sz="2000" kern="1200">
+                <a:solidFill>
+                  <a:schemeClr val="lt1"/>
+                </a:solidFill>
+                <a:latin typeface="+mn-lt"/>
+                <a:ea typeface="+mn-ea"/>
+                <a:cs typeface="+mn-cs"/>
+              </a:defRPr>
+            </a:lvl8pPr>
+            <a:lvl9pPr marL="3886200" indent="-228600" algn="l" defTabSz="914400" rtl="0" eaLnBrk="1" latinLnBrk="0" hangingPunct="1">
+              <a:spcBef>
+                <a:spcPct val="20000"/>
+              </a:spcBef>
+              <a:buFont typeface="Arial" panose="020B0604020202020204" pitchFamily="34" charset="0"/>
+              <a:buChar char="•"/>
+              <a:defRPr sz="2000" kern="1200">
+                <a:solidFill>
+                  <a:schemeClr val="lt1"/>
+                </a:solidFill>
+                <a:latin typeface="+mn-lt"/>
+                <a:ea typeface="+mn-ea"/>
+                <a:cs typeface="+mn-cs"/>
+              </a:defRPr>
+            </a:lvl9pPr>
+          </a:lstStyle>
+          <a:p>
+            <a:pPr marL="0" indent="0" algn="ctr">
+              <a:buFont typeface="Arial" panose="020B0604020202020204" pitchFamily="34" charset="0"/>
+              <a:buNone/>
+            </a:pPr>
+            <a:r>
+              <a:rPr lang="en-US" dirty="0" smtClean="0">
+                <a:solidFill>
+                  <a:schemeClr val="tx1"/>
+                </a:solidFill>
+              </a:rPr>
+              <a:t>Cage</a:t>
+            </a:r>
+            <a:endParaRPr lang="en-US" dirty="0">
+              <a:solidFill>
+                <a:schemeClr val="tx1"/>
+              </a:solidFill>
+            </a:endParaRPr>
+          </a:p>
+        </p:txBody>
+      </p:sp>
+      <p:sp>
+        <p:nvSpPr>
+          <p:cNvPr id="9" name="Content Placeholder 3"/>
+          <p:cNvSpPr txBox="1">
+            <a:spLocks/>
+          </p:cNvSpPr>
+          <p:nvPr/>
+        </p:nvSpPr>
+        <p:spPr>
+          <a:xfrm>
+            <a:off x="615228" y="5118274"/>
+            <a:ext cx="947264" cy="521486"/>
+          </a:xfrm>
+          <a:prstGeom prst="snip2DiagRect">
+            <a:avLst/>
+          </a:prstGeom>
+          <a:solidFill>
+            <a:schemeClr val="bg2">
+              <a:lumMod val="90000"/>
+            </a:schemeClr>
+          </a:solidFill>
+          <a:ln w="9525" cap="flat" cmpd="sng" algn="ctr">
+            <a:solidFill>
+              <a:schemeClr val="tx1"/>
+            </a:solidFill>
+            <a:prstDash val="solid"/>
+          </a:ln>
+        </p:spPr>
+        <p:style>
+          <a:lnRef idx="1">
+            <a:schemeClr val="accent1"/>
+          </a:lnRef>
+          <a:fillRef idx="3">
+            <a:schemeClr val="accent1"/>
+          </a:fillRef>
+          <a:effectRef idx="2">
+            <a:schemeClr val="accent1"/>
+          </a:effectRef>
+          <a:fontRef idx="minor">
+            <a:schemeClr val="lt1"/>
+          </a:fontRef>
+        </p:style>
+        <p:txBody>
+          <a:bodyPr vert="horz" lIns="91440" tIns="45720" rIns="91440" bIns="45720" rtlCol="0" anchor="ctr">
+            <a:normAutofit fontScale="85000" lnSpcReduction="20000"/>
+          </a:bodyPr>
+          <a:lstStyle>
+            <a:lvl1pPr marL="342900" indent="-342900" algn="l" defTabSz="914400" rtl="0" eaLnBrk="1" latinLnBrk="0" hangingPunct="1">
+              <a:spcBef>
+                <a:spcPct val="20000"/>
+              </a:spcBef>
+              <a:buFont typeface="Arial" panose="020B0604020202020204" pitchFamily="34" charset="0"/>
+              <a:buChar char="•"/>
+              <a:defRPr sz="3200" kern="1200">
+                <a:solidFill>
+                  <a:schemeClr val="lt1"/>
+                </a:solidFill>
+                <a:latin typeface="+mn-lt"/>
+                <a:ea typeface="+mn-ea"/>
+                <a:cs typeface="+mn-cs"/>
+              </a:defRPr>
+            </a:lvl1pPr>
+            <a:lvl2pPr marL="742950" indent="-285750" algn="l" defTabSz="914400" rtl="0" eaLnBrk="1" latinLnBrk="0" hangingPunct="1">
+              <a:spcBef>
+                <a:spcPct val="20000"/>
+              </a:spcBef>
+              <a:buFont typeface="Arial" panose="020B0604020202020204" pitchFamily="34" charset="0"/>
+              <a:buChar char="–"/>
+              <a:defRPr sz="2800" kern="1200">
+                <a:solidFill>
+                  <a:schemeClr val="lt1"/>
+                </a:solidFill>
+                <a:latin typeface="+mn-lt"/>
+                <a:ea typeface="+mn-ea"/>
+                <a:cs typeface="+mn-cs"/>
+              </a:defRPr>
+            </a:lvl2pPr>
+            <a:lvl3pPr marL="1143000" indent="-228600" algn="l" defTabSz="914400" rtl="0" eaLnBrk="1" latinLnBrk="0" hangingPunct="1">
+              <a:spcBef>
+                <a:spcPct val="20000"/>
+              </a:spcBef>
+              <a:buFont typeface="Arial" panose="020B0604020202020204" pitchFamily="34" charset="0"/>
+              <a:buChar char="•"/>
+              <a:defRPr sz="2400" kern="1200">
+                <a:solidFill>
+                  <a:schemeClr val="lt1"/>
+                </a:solidFill>
+                <a:latin typeface="+mn-lt"/>
+                <a:ea typeface="+mn-ea"/>
+                <a:cs typeface="+mn-cs"/>
+              </a:defRPr>
+            </a:lvl3pPr>
+            <a:lvl4pPr marL="1600200" indent="-228600" algn="l" defTabSz="914400" rtl="0" eaLnBrk="1" latinLnBrk="0" hangingPunct="1">
+              <a:spcBef>
+                <a:spcPct val="20000"/>
+              </a:spcBef>
+              <a:buFont typeface="Arial" panose="020B0604020202020204" pitchFamily="34" charset="0"/>
+              <a:buChar char="–"/>
+              <a:defRPr sz="2000" kern="1200">
+                <a:solidFill>
+                  <a:schemeClr val="lt1"/>
+                </a:solidFill>
+                <a:latin typeface="+mn-lt"/>
+                <a:ea typeface="+mn-ea"/>
+                <a:cs typeface="+mn-cs"/>
+              </a:defRPr>
+            </a:lvl4pPr>
+            <a:lvl5pPr marL="2057400" indent="-228600" algn="l" defTabSz="914400" rtl="0" eaLnBrk="1" latinLnBrk="0" hangingPunct="1">
+              <a:spcBef>
+                <a:spcPct val="20000"/>
+              </a:spcBef>
+              <a:buFont typeface="Arial" panose="020B0604020202020204" pitchFamily="34" charset="0"/>
+              <a:buChar char="»"/>
+              <a:defRPr sz="2000" kern="1200">
+                <a:solidFill>
+                  <a:schemeClr val="lt1"/>
+                </a:solidFill>
+                <a:latin typeface="+mn-lt"/>
+                <a:ea typeface="+mn-ea"/>
+                <a:cs typeface="+mn-cs"/>
+              </a:defRPr>
+            </a:lvl5pPr>
+            <a:lvl6pPr marL="2514600" indent="-228600" algn="l" defTabSz="914400" rtl="0" eaLnBrk="1" latinLnBrk="0" hangingPunct="1">
+              <a:spcBef>
+                <a:spcPct val="20000"/>
+              </a:spcBef>
+              <a:buFont typeface="Arial" panose="020B0604020202020204" pitchFamily="34" charset="0"/>
+              <a:buChar char="•"/>
+              <a:defRPr sz="2000" kern="1200">
+                <a:solidFill>
+                  <a:schemeClr val="lt1"/>
+                </a:solidFill>
+                <a:latin typeface="+mn-lt"/>
+                <a:ea typeface="+mn-ea"/>
+                <a:cs typeface="+mn-cs"/>
+              </a:defRPr>
+            </a:lvl6pPr>
+            <a:lvl7pPr marL="2971800" indent="-228600" algn="l" defTabSz="914400" rtl="0" eaLnBrk="1" latinLnBrk="0" hangingPunct="1">
+              <a:spcBef>
+                <a:spcPct val="20000"/>
+              </a:spcBef>
+              <a:buFont typeface="Arial" panose="020B0604020202020204" pitchFamily="34" charset="0"/>
+              <a:buChar char="•"/>
+              <a:defRPr sz="2000" kern="1200">
+                <a:solidFill>
+                  <a:schemeClr val="lt1"/>
+                </a:solidFill>
+                <a:latin typeface="+mn-lt"/>
+                <a:ea typeface="+mn-ea"/>
+                <a:cs typeface="+mn-cs"/>
+              </a:defRPr>
+            </a:lvl7pPr>
+            <a:lvl8pPr marL="3429000" indent="-228600" algn="l" defTabSz="914400" rtl="0" eaLnBrk="1" latinLnBrk="0" hangingPunct="1">
+              <a:spcBef>
+                <a:spcPct val="20000"/>
+              </a:spcBef>
+              <a:buFont typeface="Arial" panose="020B0604020202020204" pitchFamily="34" charset="0"/>
+              <a:buChar char="•"/>
+              <a:defRPr sz="2000" kern="1200">
+                <a:solidFill>
+                  <a:schemeClr val="lt1"/>
+                </a:solidFill>
+                <a:latin typeface="+mn-lt"/>
+                <a:ea typeface="+mn-ea"/>
+                <a:cs typeface="+mn-cs"/>
+              </a:defRPr>
+            </a:lvl8pPr>
+            <a:lvl9pPr marL="3886200" indent="-228600" algn="l" defTabSz="914400" rtl="0" eaLnBrk="1" latinLnBrk="0" hangingPunct="1">
+              <a:spcBef>
+                <a:spcPct val="20000"/>
+              </a:spcBef>
+              <a:buFont typeface="Arial" panose="020B0604020202020204" pitchFamily="34" charset="0"/>
+              <a:buChar char="•"/>
+              <a:defRPr sz="2000" kern="1200">
+                <a:solidFill>
+                  <a:schemeClr val="lt1"/>
+                </a:solidFill>
+                <a:latin typeface="+mn-lt"/>
+                <a:ea typeface="+mn-ea"/>
+                <a:cs typeface="+mn-cs"/>
+              </a:defRPr>
+            </a:lvl9pPr>
+          </a:lstStyle>
+          <a:p>
+            <a:pPr marL="0" indent="0" algn="ctr">
+              <a:buFont typeface="Arial" panose="020B0604020202020204" pitchFamily="34" charset="0"/>
+              <a:buNone/>
+            </a:pPr>
+            <a:r>
+              <a:rPr lang="en-US" dirty="0" smtClean="0">
+                <a:solidFill>
+                  <a:schemeClr val="tx1"/>
+                </a:solidFill>
+              </a:rPr>
+              <a:t>Cage</a:t>
+            </a:r>
+            <a:endParaRPr lang="en-US" dirty="0">
+              <a:solidFill>
+                <a:schemeClr val="tx1"/>
+              </a:solidFill>
+            </a:endParaRPr>
+          </a:p>
+        </p:txBody>
+      </p:sp>
+      <p:cxnSp>
+        <p:nvCxnSpPr>
+          <p:cNvPr id="12" name="Straight Arrow Connector 11"/>
+          <p:cNvCxnSpPr>
+            <a:stCxn id="4" idx="1"/>
+            <a:endCxn id="5" idx="3"/>
+          </p:cNvCxnSpPr>
+          <p:nvPr/>
+        </p:nvCxnSpPr>
+        <p:spPr>
+          <a:xfrm flipH="1">
+            <a:off x="2811983" y="2263099"/>
+            <a:ext cx="1531417" cy="679616"/>
+          </a:xfrm>
+          <a:prstGeom prst="straightConnector1">
+            <a:avLst/>
+          </a:prstGeom>
+          <a:ln>
+            <a:tailEnd type="triangle"/>
+          </a:ln>
+        </p:spPr>
+        <p:style>
+          <a:lnRef idx="1">
+            <a:schemeClr val="accent1"/>
+          </a:lnRef>
+          <a:fillRef idx="0">
+            <a:schemeClr val="accent1"/>
+          </a:fillRef>
+          <a:effectRef idx="0">
+            <a:schemeClr val="accent1"/>
+          </a:effectRef>
+          <a:fontRef idx="minor">
+            <a:schemeClr val="tx1"/>
+          </a:fontRef>
+        </p:style>
+      </p:cxnSp>
+      <p:cxnSp>
+        <p:nvCxnSpPr>
+          <p:cNvPr id="14" name="Straight Arrow Connector 13"/>
+          <p:cNvCxnSpPr>
+            <a:stCxn id="5" idx="2"/>
+            <a:endCxn id="7" idx="3"/>
+          </p:cNvCxnSpPr>
+          <p:nvPr/>
+        </p:nvCxnSpPr>
+        <p:spPr>
+          <a:xfrm flipH="1">
+            <a:off x="1192964" y="3203458"/>
+            <a:ext cx="1144907" cy="1428584"/>
+          </a:xfrm>
+          <a:prstGeom prst="straightConnector1">
+            <a:avLst/>
+          </a:prstGeom>
+          <a:ln>
+            <a:tailEnd type="triangle"/>
+          </a:ln>
+        </p:spPr>
+        <p:style>
+          <a:lnRef idx="1">
+            <a:schemeClr val="accent1"/>
+          </a:lnRef>
+          <a:fillRef idx="0">
+            <a:schemeClr val="accent1"/>
+          </a:fillRef>
+          <a:effectRef idx="0">
+            <a:schemeClr val="accent1"/>
+          </a:effectRef>
+          <a:fontRef idx="minor">
+            <a:schemeClr val="tx1"/>
+          </a:fontRef>
+        </p:style>
+      </p:cxnSp>
+      <p:cxnSp>
+        <p:nvCxnSpPr>
+          <p:cNvPr id="26" name="Straight Arrow Connector 25"/>
+          <p:cNvCxnSpPr>
+            <a:stCxn id="4" idx="0"/>
+            <a:endCxn id="6" idx="2"/>
+          </p:cNvCxnSpPr>
+          <p:nvPr/>
+        </p:nvCxnSpPr>
+        <p:spPr>
+          <a:xfrm flipV="1">
+            <a:off x="5029200" y="1942867"/>
+            <a:ext cx="1148241" cy="26883"/>
+          </a:xfrm>
+          <a:prstGeom prst="straightConnector1">
+            <a:avLst/>
+          </a:prstGeom>
+          <a:ln>
+            <a:tailEnd type="triangle"/>
+          </a:ln>
+        </p:spPr>
+        <p:style>
+          <a:lnRef idx="1">
+            <a:schemeClr val="accent1"/>
+          </a:lnRef>
+          <a:fillRef idx="0">
+            <a:schemeClr val="accent1"/>
+          </a:fillRef>
+          <a:effectRef idx="0">
+            <a:schemeClr val="accent1"/>
+          </a:effectRef>
+          <a:fontRef idx="minor">
+            <a:schemeClr val="tx1"/>
+          </a:fontRef>
+        </p:style>
+      </p:cxnSp>
+      <p:sp>
+        <p:nvSpPr>
+          <p:cNvPr id="29" name="Content Placeholder 3"/>
+          <p:cNvSpPr txBox="1">
+            <a:spLocks/>
+          </p:cNvSpPr>
+          <p:nvPr/>
+        </p:nvSpPr>
+        <p:spPr>
+          <a:xfrm>
+            <a:off x="2550081" y="4871330"/>
+            <a:ext cx="948223" cy="521486"/>
+          </a:xfrm>
+          <a:prstGeom prst="snip2DiagRect">
+            <a:avLst/>
+          </a:prstGeom>
+          <a:solidFill>
+            <a:schemeClr val="bg2">
+              <a:lumMod val="90000"/>
+            </a:schemeClr>
+          </a:solidFill>
+          <a:ln w="9525" cap="flat" cmpd="sng" algn="ctr">
+            <a:solidFill>
+              <a:schemeClr val="tx1"/>
+            </a:solidFill>
+            <a:prstDash val="solid"/>
+          </a:ln>
+        </p:spPr>
+        <p:style>
+          <a:lnRef idx="1">
+            <a:schemeClr val="accent1"/>
+          </a:lnRef>
+          <a:fillRef idx="3">
+            <a:schemeClr val="accent1"/>
+          </a:fillRef>
+          <a:effectRef idx="2">
+            <a:schemeClr val="accent1"/>
+          </a:effectRef>
+          <a:fontRef idx="minor">
+            <a:schemeClr val="lt1"/>
+          </a:fontRef>
+        </p:style>
+        <p:txBody>
+          <a:bodyPr vert="horz" lIns="91440" tIns="45720" rIns="91440" bIns="45720" rtlCol="0" anchor="ctr">
+            <a:normAutofit fontScale="55000" lnSpcReduction="20000"/>
+          </a:bodyPr>
+          <a:lstStyle>
+            <a:lvl1pPr marL="342900" indent="-342900" algn="l" defTabSz="914400" rtl="0" eaLnBrk="1" latinLnBrk="0" hangingPunct="1">
+              <a:spcBef>
+                <a:spcPct val="20000"/>
+              </a:spcBef>
+              <a:buFont typeface="Arial" panose="020B0604020202020204" pitchFamily="34" charset="0"/>
+              <a:buChar char="•"/>
+              <a:defRPr sz="3200" kern="1200">
+                <a:solidFill>
+                  <a:schemeClr val="lt1"/>
+                </a:solidFill>
+                <a:latin typeface="+mn-lt"/>
+                <a:ea typeface="+mn-ea"/>
+                <a:cs typeface="+mn-cs"/>
+              </a:defRPr>
+            </a:lvl1pPr>
+            <a:lvl2pPr marL="742950" indent="-285750" algn="l" defTabSz="914400" rtl="0" eaLnBrk="1" latinLnBrk="0" hangingPunct="1">
+              <a:spcBef>
+                <a:spcPct val="20000"/>
+              </a:spcBef>
+              <a:buFont typeface="Arial" panose="020B0604020202020204" pitchFamily="34" charset="0"/>
+              <a:buChar char="–"/>
+              <a:defRPr sz="2800" kern="1200">
+                <a:solidFill>
+                  <a:schemeClr val="lt1"/>
+                </a:solidFill>
+                <a:latin typeface="+mn-lt"/>
+                <a:ea typeface="+mn-ea"/>
+                <a:cs typeface="+mn-cs"/>
+              </a:defRPr>
+            </a:lvl2pPr>
+            <a:lvl3pPr marL="1143000" indent="-228600" algn="l" defTabSz="914400" rtl="0" eaLnBrk="1" latinLnBrk="0" hangingPunct="1">
+              <a:spcBef>
+                <a:spcPct val="20000"/>
+              </a:spcBef>
+              <a:buFont typeface="Arial" panose="020B0604020202020204" pitchFamily="34" charset="0"/>
+              <a:buChar char="•"/>
+              <a:defRPr sz="2400" kern="1200">
+                <a:solidFill>
+                  <a:schemeClr val="lt1"/>
+                </a:solidFill>
+                <a:latin typeface="+mn-lt"/>
+                <a:ea typeface="+mn-ea"/>
+                <a:cs typeface="+mn-cs"/>
+              </a:defRPr>
+            </a:lvl3pPr>
+            <a:lvl4pPr marL="1600200" indent="-228600" algn="l" defTabSz="914400" rtl="0" eaLnBrk="1" latinLnBrk="0" hangingPunct="1">
+              <a:spcBef>
+                <a:spcPct val="20000"/>
+              </a:spcBef>
+              <a:buFont typeface="Arial" panose="020B0604020202020204" pitchFamily="34" charset="0"/>
+              <a:buChar char="–"/>
+              <a:defRPr sz="2000" kern="1200">
+                <a:solidFill>
+                  <a:schemeClr val="lt1"/>
+                </a:solidFill>
+                <a:latin typeface="+mn-lt"/>
+                <a:ea typeface="+mn-ea"/>
+                <a:cs typeface="+mn-cs"/>
+              </a:defRPr>
+            </a:lvl4pPr>
+            <a:lvl5pPr marL="2057400" indent="-228600" algn="l" defTabSz="914400" rtl="0" eaLnBrk="1" latinLnBrk="0" hangingPunct="1">
+              <a:spcBef>
+                <a:spcPct val="20000"/>
+              </a:spcBef>
+              <a:buFont typeface="Arial" panose="020B0604020202020204" pitchFamily="34" charset="0"/>
+              <a:buChar char="»"/>
+              <a:defRPr sz="2000" kern="1200">
+                <a:solidFill>
+                  <a:schemeClr val="lt1"/>
+                </a:solidFill>
+                <a:latin typeface="+mn-lt"/>
+                <a:ea typeface="+mn-ea"/>
+                <a:cs typeface="+mn-cs"/>
+              </a:defRPr>
+            </a:lvl5pPr>
+            <a:lvl6pPr marL="2514600" indent="-228600" algn="l" defTabSz="914400" rtl="0" eaLnBrk="1" latinLnBrk="0" hangingPunct="1">
+              <a:spcBef>
+                <a:spcPct val="20000"/>
+              </a:spcBef>
+              <a:buFont typeface="Arial" panose="020B0604020202020204" pitchFamily="34" charset="0"/>
+              <a:buChar char="•"/>
+              <a:defRPr sz="2000" kern="1200">
+                <a:solidFill>
+                  <a:schemeClr val="lt1"/>
+                </a:solidFill>
+                <a:latin typeface="+mn-lt"/>
+                <a:ea typeface="+mn-ea"/>
+                <a:cs typeface="+mn-cs"/>
+              </a:defRPr>
+            </a:lvl6pPr>
+            <a:lvl7pPr marL="2971800" indent="-228600" algn="l" defTabSz="914400" rtl="0" eaLnBrk="1" latinLnBrk="0" hangingPunct="1">
+              <a:spcBef>
+                <a:spcPct val="20000"/>
+              </a:spcBef>
+              <a:buFont typeface="Arial" panose="020B0604020202020204" pitchFamily="34" charset="0"/>
+              <a:buChar char="•"/>
+              <a:defRPr sz="2000" kern="1200">
+                <a:solidFill>
+                  <a:schemeClr val="lt1"/>
+                </a:solidFill>
+                <a:latin typeface="+mn-lt"/>
+                <a:ea typeface="+mn-ea"/>
+                <a:cs typeface="+mn-cs"/>
+              </a:defRPr>
+            </a:lvl7pPr>
+            <a:lvl8pPr marL="3429000" indent="-228600" algn="l" defTabSz="914400" rtl="0" eaLnBrk="1" latinLnBrk="0" hangingPunct="1">
+              <a:spcBef>
+                <a:spcPct val="20000"/>
+              </a:spcBef>
+              <a:buFont typeface="Arial" panose="020B0604020202020204" pitchFamily="34" charset="0"/>
+              <a:buChar char="•"/>
+              <a:defRPr sz="2000" kern="1200">
+                <a:solidFill>
+                  <a:schemeClr val="lt1"/>
+                </a:solidFill>
+                <a:latin typeface="+mn-lt"/>
+                <a:ea typeface="+mn-ea"/>
+                <a:cs typeface="+mn-cs"/>
+              </a:defRPr>
+            </a:lvl8pPr>
+            <a:lvl9pPr marL="3886200" indent="-228600" algn="l" defTabSz="914400" rtl="0" eaLnBrk="1" latinLnBrk="0" hangingPunct="1">
+              <a:spcBef>
+                <a:spcPct val="20000"/>
+              </a:spcBef>
+              <a:buFont typeface="Arial" panose="020B0604020202020204" pitchFamily="34" charset="0"/>
+              <a:buChar char="•"/>
+              <a:defRPr sz="2000" kern="1200">
+                <a:solidFill>
+                  <a:schemeClr val="lt1"/>
+                </a:solidFill>
+                <a:latin typeface="+mn-lt"/>
+                <a:ea typeface="+mn-ea"/>
+                <a:cs typeface="+mn-cs"/>
+              </a:defRPr>
+            </a:lvl9pPr>
+          </a:lstStyle>
+          <a:p>
+            <a:pPr marL="0" indent="0" algn="ctr">
+              <a:buFont typeface="Arial" panose="020B0604020202020204" pitchFamily="34" charset="0"/>
+              <a:buNone/>
+            </a:pPr>
+            <a:r>
+              <a:rPr lang="en-US" smtClean="0">
+                <a:solidFill>
+                  <a:schemeClr val="tx1"/>
+                </a:solidFill>
+              </a:rPr>
+              <a:t>Animal</a:t>
+            </a:r>
+            <a:endParaRPr lang="en-US" dirty="0">
+              <a:solidFill>
+                <a:schemeClr val="tx1"/>
+              </a:solidFill>
+            </a:endParaRPr>
+          </a:p>
+        </p:txBody>
+      </p:sp>
+      <p:sp>
+        <p:nvSpPr>
+          <p:cNvPr id="30" name="Content Placeholder 3"/>
+          <p:cNvSpPr txBox="1">
+            <a:spLocks/>
+          </p:cNvSpPr>
+          <p:nvPr/>
+        </p:nvSpPr>
+        <p:spPr>
+          <a:xfrm>
+            <a:off x="2425606" y="5184768"/>
+            <a:ext cx="948223" cy="521486"/>
+          </a:xfrm>
+          <a:prstGeom prst="snip2DiagRect">
+            <a:avLst/>
+          </a:prstGeom>
+          <a:solidFill>
+            <a:schemeClr val="bg2">
+              <a:lumMod val="90000"/>
+            </a:schemeClr>
+          </a:solidFill>
+          <a:ln w="9525" cap="flat" cmpd="sng" algn="ctr">
+            <a:solidFill>
+              <a:schemeClr val="tx1"/>
+            </a:solidFill>
+            <a:prstDash val="solid"/>
+          </a:ln>
+        </p:spPr>
+        <p:style>
+          <a:lnRef idx="1">
+            <a:schemeClr val="accent1"/>
+          </a:lnRef>
+          <a:fillRef idx="3">
+            <a:schemeClr val="accent1"/>
+          </a:fillRef>
+          <a:effectRef idx="2">
+            <a:schemeClr val="accent1"/>
+          </a:effectRef>
+          <a:fontRef idx="minor">
+            <a:schemeClr val="lt1"/>
+          </a:fontRef>
+        </p:style>
+        <p:txBody>
+          <a:bodyPr vert="horz" lIns="91440" tIns="45720" rIns="91440" bIns="45720" rtlCol="0" anchor="ctr">
+            <a:normAutofit fontScale="55000" lnSpcReduction="20000"/>
+          </a:bodyPr>
+          <a:lstStyle>
+            <a:lvl1pPr marL="342900" indent="-342900" algn="l" defTabSz="914400" rtl="0" eaLnBrk="1" latinLnBrk="0" hangingPunct="1">
+              <a:spcBef>
+                <a:spcPct val="20000"/>
+              </a:spcBef>
+              <a:buFont typeface="Arial" panose="020B0604020202020204" pitchFamily="34" charset="0"/>
+              <a:buChar char="•"/>
+              <a:defRPr sz="3200" kern="1200">
+                <a:solidFill>
+                  <a:schemeClr val="lt1"/>
+                </a:solidFill>
+                <a:latin typeface="+mn-lt"/>
+                <a:ea typeface="+mn-ea"/>
+                <a:cs typeface="+mn-cs"/>
+              </a:defRPr>
+            </a:lvl1pPr>
+            <a:lvl2pPr marL="742950" indent="-285750" algn="l" defTabSz="914400" rtl="0" eaLnBrk="1" latinLnBrk="0" hangingPunct="1">
+              <a:spcBef>
+                <a:spcPct val="20000"/>
+              </a:spcBef>
+              <a:buFont typeface="Arial" panose="020B0604020202020204" pitchFamily="34" charset="0"/>
+              <a:buChar char="–"/>
+              <a:defRPr sz="2800" kern="1200">
+                <a:solidFill>
+                  <a:schemeClr val="lt1"/>
+                </a:solidFill>
+                <a:latin typeface="+mn-lt"/>
+                <a:ea typeface="+mn-ea"/>
+                <a:cs typeface="+mn-cs"/>
+              </a:defRPr>
+            </a:lvl2pPr>
+            <a:lvl3pPr marL="1143000" indent="-228600" algn="l" defTabSz="914400" rtl="0" eaLnBrk="1" latinLnBrk="0" hangingPunct="1">
+              <a:spcBef>
+                <a:spcPct val="20000"/>
+              </a:spcBef>
+              <a:buFont typeface="Arial" panose="020B0604020202020204" pitchFamily="34" charset="0"/>
+              <a:buChar char="•"/>
+              <a:defRPr sz="2400" kern="1200">
+                <a:solidFill>
+                  <a:schemeClr val="lt1"/>
+                </a:solidFill>
+                <a:latin typeface="+mn-lt"/>
+                <a:ea typeface="+mn-ea"/>
+                <a:cs typeface="+mn-cs"/>
+              </a:defRPr>
+            </a:lvl3pPr>
+            <a:lvl4pPr marL="1600200" indent="-228600" algn="l" defTabSz="914400" rtl="0" eaLnBrk="1" latinLnBrk="0" hangingPunct="1">
+              <a:spcBef>
+                <a:spcPct val="20000"/>
+              </a:spcBef>
+              <a:buFont typeface="Arial" panose="020B0604020202020204" pitchFamily="34" charset="0"/>
+              <a:buChar char="–"/>
+              <a:defRPr sz="2000" kern="1200">
+                <a:solidFill>
+                  <a:schemeClr val="lt1"/>
+                </a:solidFill>
+                <a:latin typeface="+mn-lt"/>
+                <a:ea typeface="+mn-ea"/>
+                <a:cs typeface="+mn-cs"/>
+              </a:defRPr>
+            </a:lvl4pPr>
+            <a:lvl5pPr marL="2057400" indent="-228600" algn="l" defTabSz="914400" rtl="0" eaLnBrk="1" latinLnBrk="0" hangingPunct="1">
+              <a:spcBef>
+                <a:spcPct val="20000"/>
+              </a:spcBef>
+              <a:buFont typeface="Arial" panose="020B0604020202020204" pitchFamily="34" charset="0"/>
+              <a:buChar char="»"/>
+              <a:defRPr sz="2000" kern="1200">
+                <a:solidFill>
+                  <a:schemeClr val="lt1"/>
+                </a:solidFill>
+                <a:latin typeface="+mn-lt"/>
+                <a:ea typeface="+mn-ea"/>
+                <a:cs typeface="+mn-cs"/>
+              </a:defRPr>
+            </a:lvl5pPr>
+            <a:lvl6pPr marL="2514600" indent="-228600" algn="l" defTabSz="914400" rtl="0" eaLnBrk="1" latinLnBrk="0" hangingPunct="1">
+              <a:spcBef>
+                <a:spcPct val="20000"/>
+              </a:spcBef>
+              <a:buFont typeface="Arial" panose="020B0604020202020204" pitchFamily="34" charset="0"/>
+              <a:buChar char="•"/>
+              <a:defRPr sz="2000" kern="1200">
+                <a:solidFill>
+                  <a:schemeClr val="lt1"/>
+                </a:solidFill>
+                <a:latin typeface="+mn-lt"/>
+                <a:ea typeface="+mn-ea"/>
+                <a:cs typeface="+mn-cs"/>
+              </a:defRPr>
+            </a:lvl6pPr>
+            <a:lvl7pPr marL="2971800" indent="-228600" algn="l" defTabSz="914400" rtl="0" eaLnBrk="1" latinLnBrk="0" hangingPunct="1">
+              <a:spcBef>
+                <a:spcPct val="20000"/>
+              </a:spcBef>
+              <a:buFont typeface="Arial" panose="020B0604020202020204" pitchFamily="34" charset="0"/>
+              <a:buChar char="•"/>
+              <a:defRPr sz="2000" kern="1200">
+                <a:solidFill>
+                  <a:schemeClr val="lt1"/>
+                </a:solidFill>
+                <a:latin typeface="+mn-lt"/>
+                <a:ea typeface="+mn-ea"/>
+                <a:cs typeface="+mn-cs"/>
+              </a:defRPr>
+            </a:lvl7pPr>
+            <a:lvl8pPr marL="3429000" indent="-228600" algn="l" defTabSz="914400" rtl="0" eaLnBrk="1" latinLnBrk="0" hangingPunct="1">
+              <a:spcBef>
+                <a:spcPct val="20000"/>
+              </a:spcBef>
+              <a:buFont typeface="Arial" panose="020B0604020202020204" pitchFamily="34" charset="0"/>
+              <a:buChar char="•"/>
+              <a:defRPr sz="2000" kern="1200">
+                <a:solidFill>
+                  <a:schemeClr val="lt1"/>
+                </a:solidFill>
+                <a:latin typeface="+mn-lt"/>
+                <a:ea typeface="+mn-ea"/>
+                <a:cs typeface="+mn-cs"/>
+              </a:defRPr>
+            </a:lvl8pPr>
+            <a:lvl9pPr marL="3886200" indent="-228600" algn="l" defTabSz="914400" rtl="0" eaLnBrk="1" latinLnBrk="0" hangingPunct="1">
+              <a:spcBef>
+                <a:spcPct val="20000"/>
+              </a:spcBef>
+              <a:buFont typeface="Arial" panose="020B0604020202020204" pitchFamily="34" charset="0"/>
+              <a:buChar char="•"/>
+              <a:defRPr sz="2000" kern="1200">
+                <a:solidFill>
+                  <a:schemeClr val="lt1"/>
+                </a:solidFill>
+                <a:latin typeface="+mn-lt"/>
+                <a:ea typeface="+mn-ea"/>
+                <a:cs typeface="+mn-cs"/>
+              </a:defRPr>
+            </a:lvl9pPr>
+          </a:lstStyle>
+          <a:p>
+            <a:pPr marL="0" indent="0" algn="ctr">
+              <a:buFont typeface="Arial" panose="020B0604020202020204" pitchFamily="34" charset="0"/>
+              <a:buNone/>
+            </a:pPr>
+            <a:r>
+              <a:rPr lang="en-US" smtClean="0">
+                <a:solidFill>
+                  <a:schemeClr val="tx1"/>
+                </a:solidFill>
+              </a:rPr>
+              <a:t>Animal</a:t>
+            </a:r>
+            <a:endParaRPr lang="en-US" dirty="0">
+              <a:solidFill>
+                <a:schemeClr val="tx1"/>
+              </a:solidFill>
+            </a:endParaRPr>
+          </a:p>
+        </p:txBody>
+      </p:sp>
+      <p:sp>
+        <p:nvSpPr>
+          <p:cNvPr id="31" name="Content Placeholder 3"/>
+          <p:cNvSpPr txBox="1">
+            <a:spLocks/>
+          </p:cNvSpPr>
+          <p:nvPr/>
+        </p:nvSpPr>
+        <p:spPr>
+          <a:xfrm>
+            <a:off x="2268198" y="5473870"/>
+            <a:ext cx="948223" cy="521486"/>
+          </a:xfrm>
+          <a:prstGeom prst="snip2DiagRect">
+            <a:avLst/>
+          </a:prstGeom>
+          <a:solidFill>
+            <a:schemeClr val="bg2">
+              <a:lumMod val="90000"/>
+            </a:schemeClr>
+          </a:solidFill>
+          <a:ln w="9525" cap="flat" cmpd="sng" algn="ctr">
+            <a:solidFill>
+              <a:schemeClr val="tx1"/>
+            </a:solidFill>
+            <a:prstDash val="solid"/>
+          </a:ln>
+        </p:spPr>
+        <p:style>
+          <a:lnRef idx="1">
+            <a:schemeClr val="accent1"/>
+          </a:lnRef>
+          <a:fillRef idx="3">
+            <a:schemeClr val="accent1"/>
+          </a:fillRef>
+          <a:effectRef idx="2">
+            <a:schemeClr val="accent1"/>
+          </a:effectRef>
+          <a:fontRef idx="minor">
+            <a:schemeClr val="lt1"/>
+          </a:fontRef>
+        </p:style>
+        <p:txBody>
+          <a:bodyPr vert="horz" lIns="91440" tIns="45720" rIns="91440" bIns="45720" rtlCol="0" anchor="ctr">
+            <a:normAutofit fontScale="55000" lnSpcReduction="20000"/>
+          </a:bodyPr>
+          <a:lstStyle>
+            <a:lvl1pPr marL="342900" indent="-342900" algn="l" defTabSz="914400" rtl="0" eaLnBrk="1" latinLnBrk="0" hangingPunct="1">
+              <a:spcBef>
+                <a:spcPct val="20000"/>
+              </a:spcBef>
+              <a:buFont typeface="Arial" panose="020B0604020202020204" pitchFamily="34" charset="0"/>
+              <a:buChar char="•"/>
+              <a:defRPr sz="3200" kern="1200">
+                <a:solidFill>
+                  <a:schemeClr val="lt1"/>
+                </a:solidFill>
+                <a:latin typeface="+mn-lt"/>
+                <a:ea typeface="+mn-ea"/>
+                <a:cs typeface="+mn-cs"/>
+              </a:defRPr>
+            </a:lvl1pPr>
+            <a:lvl2pPr marL="742950" indent="-285750" algn="l" defTabSz="914400" rtl="0" eaLnBrk="1" latinLnBrk="0" hangingPunct="1">
+              <a:spcBef>
+                <a:spcPct val="20000"/>
+              </a:spcBef>
+              <a:buFont typeface="Arial" panose="020B0604020202020204" pitchFamily="34" charset="0"/>
+              <a:buChar char="–"/>
+              <a:defRPr sz="2800" kern="1200">
+                <a:solidFill>
+                  <a:schemeClr val="lt1"/>
+                </a:solidFill>
+                <a:latin typeface="+mn-lt"/>
+                <a:ea typeface="+mn-ea"/>
+                <a:cs typeface="+mn-cs"/>
+              </a:defRPr>
+            </a:lvl2pPr>
+            <a:lvl3pPr marL="1143000" indent="-228600" algn="l" defTabSz="914400" rtl="0" eaLnBrk="1" latinLnBrk="0" hangingPunct="1">
+              <a:spcBef>
+                <a:spcPct val="20000"/>
+              </a:spcBef>
+              <a:buFont typeface="Arial" panose="020B0604020202020204" pitchFamily="34" charset="0"/>
+              <a:buChar char="•"/>
+              <a:defRPr sz="2400" kern="1200">
+                <a:solidFill>
+                  <a:schemeClr val="lt1"/>
+                </a:solidFill>
+                <a:latin typeface="+mn-lt"/>
+                <a:ea typeface="+mn-ea"/>
+                <a:cs typeface="+mn-cs"/>
+              </a:defRPr>
+            </a:lvl3pPr>
+            <a:lvl4pPr marL="1600200" indent="-228600" algn="l" defTabSz="914400" rtl="0" eaLnBrk="1" latinLnBrk="0" hangingPunct="1">
+              <a:spcBef>
+                <a:spcPct val="20000"/>
+              </a:spcBef>
+              <a:buFont typeface="Arial" panose="020B0604020202020204" pitchFamily="34" charset="0"/>
+              <a:buChar char="–"/>
+              <a:defRPr sz="2000" kern="1200">
+                <a:solidFill>
+                  <a:schemeClr val="lt1"/>
+                </a:solidFill>
+                <a:latin typeface="+mn-lt"/>
+                <a:ea typeface="+mn-ea"/>
+                <a:cs typeface="+mn-cs"/>
+              </a:defRPr>
+            </a:lvl4pPr>
+            <a:lvl5pPr marL="2057400" indent="-228600" algn="l" defTabSz="914400" rtl="0" eaLnBrk="1" latinLnBrk="0" hangingPunct="1">
+              <a:spcBef>
+                <a:spcPct val="20000"/>
+              </a:spcBef>
+              <a:buFont typeface="Arial" panose="020B0604020202020204" pitchFamily="34" charset="0"/>
+              <a:buChar char="»"/>
+              <a:defRPr sz="2000" kern="1200">
+                <a:solidFill>
+                  <a:schemeClr val="lt1"/>
+                </a:solidFill>
+                <a:latin typeface="+mn-lt"/>
+                <a:ea typeface="+mn-ea"/>
+                <a:cs typeface="+mn-cs"/>
+              </a:defRPr>
+            </a:lvl5pPr>
+            <a:lvl6pPr marL="2514600" indent="-228600" algn="l" defTabSz="914400" rtl="0" eaLnBrk="1" latinLnBrk="0" hangingPunct="1">
+              <a:spcBef>
+                <a:spcPct val="20000"/>
+              </a:spcBef>
+              <a:buFont typeface="Arial" panose="020B0604020202020204" pitchFamily="34" charset="0"/>
+              <a:buChar char="•"/>
+              <a:defRPr sz="2000" kern="1200">
+                <a:solidFill>
+                  <a:schemeClr val="lt1"/>
+                </a:solidFill>
+                <a:latin typeface="+mn-lt"/>
+                <a:ea typeface="+mn-ea"/>
+                <a:cs typeface="+mn-cs"/>
+              </a:defRPr>
+            </a:lvl6pPr>
+            <a:lvl7pPr marL="2971800" indent="-228600" algn="l" defTabSz="914400" rtl="0" eaLnBrk="1" latinLnBrk="0" hangingPunct="1">
+              <a:spcBef>
+                <a:spcPct val="20000"/>
+              </a:spcBef>
+              <a:buFont typeface="Arial" panose="020B0604020202020204" pitchFamily="34" charset="0"/>
+              <a:buChar char="•"/>
+              <a:defRPr sz="2000" kern="1200">
+                <a:solidFill>
+                  <a:schemeClr val="lt1"/>
+                </a:solidFill>
+                <a:latin typeface="+mn-lt"/>
+                <a:ea typeface="+mn-ea"/>
+                <a:cs typeface="+mn-cs"/>
+              </a:defRPr>
+            </a:lvl7pPr>
+            <a:lvl8pPr marL="3429000" indent="-228600" algn="l" defTabSz="914400" rtl="0" eaLnBrk="1" latinLnBrk="0" hangingPunct="1">
+              <a:spcBef>
+                <a:spcPct val="20000"/>
+              </a:spcBef>
+              <a:buFont typeface="Arial" panose="020B0604020202020204" pitchFamily="34" charset="0"/>
+              <a:buChar char="•"/>
+              <a:defRPr sz="2000" kern="1200">
+                <a:solidFill>
+                  <a:schemeClr val="lt1"/>
+                </a:solidFill>
+                <a:latin typeface="+mn-lt"/>
+                <a:ea typeface="+mn-ea"/>
+                <a:cs typeface="+mn-cs"/>
+              </a:defRPr>
+            </a:lvl8pPr>
+            <a:lvl9pPr marL="3886200" indent="-228600" algn="l" defTabSz="914400" rtl="0" eaLnBrk="1" latinLnBrk="0" hangingPunct="1">
+              <a:spcBef>
+                <a:spcPct val="20000"/>
+              </a:spcBef>
+              <a:buFont typeface="Arial" panose="020B0604020202020204" pitchFamily="34" charset="0"/>
+              <a:buChar char="•"/>
+              <a:defRPr sz="2000" kern="1200">
+                <a:solidFill>
+                  <a:schemeClr val="lt1"/>
+                </a:solidFill>
+                <a:latin typeface="+mn-lt"/>
+                <a:ea typeface="+mn-ea"/>
+                <a:cs typeface="+mn-cs"/>
+              </a:defRPr>
+            </a:lvl9pPr>
+          </a:lstStyle>
+          <a:p>
+            <a:pPr marL="0" indent="0" algn="ctr">
+              <a:buFont typeface="Arial" panose="020B0604020202020204" pitchFamily="34" charset="0"/>
+              <a:buNone/>
+            </a:pPr>
+            <a:r>
+              <a:rPr lang="en-US" smtClean="0">
+                <a:solidFill>
+                  <a:schemeClr val="tx1"/>
+                </a:solidFill>
+              </a:rPr>
+              <a:t>Animal</a:t>
+            </a:r>
+            <a:endParaRPr lang="en-US" dirty="0">
+              <a:solidFill>
+                <a:schemeClr val="tx1"/>
+              </a:solidFill>
+            </a:endParaRPr>
+          </a:p>
+        </p:txBody>
+      </p:sp>
+      <p:sp>
+        <p:nvSpPr>
+          <p:cNvPr id="32" name="Content Placeholder 3"/>
+          <p:cNvSpPr txBox="1">
+            <a:spLocks/>
+          </p:cNvSpPr>
+          <p:nvPr/>
+        </p:nvSpPr>
+        <p:spPr>
+          <a:xfrm>
+            <a:off x="2186511" y="5809147"/>
+            <a:ext cx="948223" cy="521486"/>
+          </a:xfrm>
+          <a:prstGeom prst="snip2DiagRect">
+            <a:avLst/>
+          </a:prstGeom>
+          <a:solidFill>
+            <a:schemeClr val="bg2">
+              <a:lumMod val="90000"/>
+            </a:schemeClr>
+          </a:solidFill>
+          <a:ln w="9525" cap="flat" cmpd="sng" algn="ctr">
+            <a:solidFill>
+              <a:schemeClr val="tx1"/>
+            </a:solidFill>
+            <a:prstDash val="solid"/>
+          </a:ln>
+        </p:spPr>
+        <p:style>
+          <a:lnRef idx="1">
+            <a:schemeClr val="accent1"/>
+          </a:lnRef>
+          <a:fillRef idx="3">
+            <a:schemeClr val="accent1"/>
+          </a:fillRef>
+          <a:effectRef idx="2">
+            <a:schemeClr val="accent1"/>
+          </a:effectRef>
+          <a:fontRef idx="minor">
+            <a:schemeClr val="lt1"/>
+          </a:fontRef>
+        </p:style>
+        <p:txBody>
+          <a:bodyPr vert="horz" lIns="91440" tIns="45720" rIns="91440" bIns="45720" rtlCol="0" anchor="ctr">
+            <a:normAutofit fontScale="55000" lnSpcReduction="20000"/>
+          </a:bodyPr>
+          <a:lstStyle>
+            <a:lvl1pPr marL="342900" indent="-342900" algn="l" defTabSz="914400" rtl="0" eaLnBrk="1" latinLnBrk="0" hangingPunct="1">
+              <a:spcBef>
+                <a:spcPct val="20000"/>
+              </a:spcBef>
+              <a:buFont typeface="Arial" panose="020B0604020202020204" pitchFamily="34" charset="0"/>
+              <a:buChar char="•"/>
+              <a:defRPr sz="3200" kern="1200">
+                <a:solidFill>
+                  <a:schemeClr val="lt1"/>
+                </a:solidFill>
+                <a:latin typeface="+mn-lt"/>
+                <a:ea typeface="+mn-ea"/>
+                <a:cs typeface="+mn-cs"/>
+              </a:defRPr>
+            </a:lvl1pPr>
+            <a:lvl2pPr marL="742950" indent="-285750" algn="l" defTabSz="914400" rtl="0" eaLnBrk="1" latinLnBrk="0" hangingPunct="1">
+              <a:spcBef>
+                <a:spcPct val="20000"/>
+              </a:spcBef>
+              <a:buFont typeface="Arial" panose="020B0604020202020204" pitchFamily="34" charset="0"/>
+              <a:buChar char="–"/>
+              <a:defRPr sz="2800" kern="1200">
+                <a:solidFill>
+                  <a:schemeClr val="lt1"/>
+                </a:solidFill>
+                <a:latin typeface="+mn-lt"/>
+                <a:ea typeface="+mn-ea"/>
+                <a:cs typeface="+mn-cs"/>
+              </a:defRPr>
+            </a:lvl2pPr>
+            <a:lvl3pPr marL="1143000" indent="-228600" algn="l" defTabSz="914400" rtl="0" eaLnBrk="1" latinLnBrk="0" hangingPunct="1">
+              <a:spcBef>
+                <a:spcPct val="20000"/>
+              </a:spcBef>
+              <a:buFont typeface="Arial" panose="020B0604020202020204" pitchFamily="34" charset="0"/>
+              <a:buChar char="•"/>
+              <a:defRPr sz="2400" kern="1200">
+                <a:solidFill>
+                  <a:schemeClr val="lt1"/>
+                </a:solidFill>
+                <a:latin typeface="+mn-lt"/>
+                <a:ea typeface="+mn-ea"/>
+                <a:cs typeface="+mn-cs"/>
+              </a:defRPr>
+            </a:lvl3pPr>
+            <a:lvl4pPr marL="1600200" indent="-228600" algn="l" defTabSz="914400" rtl="0" eaLnBrk="1" latinLnBrk="0" hangingPunct="1">
+              <a:spcBef>
+                <a:spcPct val="20000"/>
+              </a:spcBef>
+              <a:buFont typeface="Arial" panose="020B0604020202020204" pitchFamily="34" charset="0"/>
+              <a:buChar char="–"/>
+              <a:defRPr sz="2000" kern="1200">
+                <a:solidFill>
+                  <a:schemeClr val="lt1"/>
+                </a:solidFill>
+                <a:latin typeface="+mn-lt"/>
+                <a:ea typeface="+mn-ea"/>
+                <a:cs typeface="+mn-cs"/>
+              </a:defRPr>
+            </a:lvl4pPr>
+            <a:lvl5pPr marL="2057400" indent="-228600" algn="l" defTabSz="914400" rtl="0" eaLnBrk="1" latinLnBrk="0" hangingPunct="1">
+              <a:spcBef>
+                <a:spcPct val="20000"/>
+              </a:spcBef>
+              <a:buFont typeface="Arial" panose="020B0604020202020204" pitchFamily="34" charset="0"/>
+              <a:buChar char="»"/>
+              <a:defRPr sz="2000" kern="1200">
+                <a:solidFill>
+                  <a:schemeClr val="lt1"/>
+                </a:solidFill>
+                <a:latin typeface="+mn-lt"/>
+                <a:ea typeface="+mn-ea"/>
+                <a:cs typeface="+mn-cs"/>
+              </a:defRPr>
+            </a:lvl5pPr>
+            <a:lvl6pPr marL="2514600" indent="-228600" algn="l" defTabSz="914400" rtl="0" eaLnBrk="1" latinLnBrk="0" hangingPunct="1">
+              <a:spcBef>
+                <a:spcPct val="20000"/>
+              </a:spcBef>
+              <a:buFont typeface="Arial" panose="020B0604020202020204" pitchFamily="34" charset="0"/>
+              <a:buChar char="•"/>
+              <a:defRPr sz="2000" kern="1200">
+                <a:solidFill>
+                  <a:schemeClr val="lt1"/>
+                </a:solidFill>
+                <a:latin typeface="+mn-lt"/>
+                <a:ea typeface="+mn-ea"/>
+                <a:cs typeface="+mn-cs"/>
+              </a:defRPr>
+            </a:lvl6pPr>
+            <a:lvl7pPr marL="2971800" indent="-228600" algn="l" defTabSz="914400" rtl="0" eaLnBrk="1" latinLnBrk="0" hangingPunct="1">
+              <a:spcBef>
+                <a:spcPct val="20000"/>
+              </a:spcBef>
+              <a:buFont typeface="Arial" panose="020B0604020202020204" pitchFamily="34" charset="0"/>
+              <a:buChar char="•"/>
+              <a:defRPr sz="2000" kern="1200">
+                <a:solidFill>
+                  <a:schemeClr val="lt1"/>
+                </a:solidFill>
+                <a:latin typeface="+mn-lt"/>
+                <a:ea typeface="+mn-ea"/>
+                <a:cs typeface="+mn-cs"/>
+              </a:defRPr>
+            </a:lvl7pPr>
+            <a:lvl8pPr marL="3429000" indent="-228600" algn="l" defTabSz="914400" rtl="0" eaLnBrk="1" latinLnBrk="0" hangingPunct="1">
+              <a:spcBef>
+                <a:spcPct val="20000"/>
+              </a:spcBef>
+              <a:buFont typeface="Arial" panose="020B0604020202020204" pitchFamily="34" charset="0"/>
+              <a:buChar char="•"/>
+              <a:defRPr sz="2000" kern="1200">
+                <a:solidFill>
+                  <a:schemeClr val="lt1"/>
+                </a:solidFill>
+                <a:latin typeface="+mn-lt"/>
+                <a:ea typeface="+mn-ea"/>
+                <a:cs typeface="+mn-cs"/>
+              </a:defRPr>
+            </a:lvl8pPr>
+            <a:lvl9pPr marL="3886200" indent="-228600" algn="l" defTabSz="914400" rtl="0" eaLnBrk="1" latinLnBrk="0" hangingPunct="1">
+              <a:spcBef>
+                <a:spcPct val="20000"/>
+              </a:spcBef>
+              <a:buFont typeface="Arial" panose="020B0604020202020204" pitchFamily="34" charset="0"/>
+              <a:buChar char="•"/>
+              <a:defRPr sz="2000" kern="1200">
+                <a:solidFill>
+                  <a:schemeClr val="lt1"/>
+                </a:solidFill>
+                <a:latin typeface="+mn-lt"/>
+                <a:ea typeface="+mn-ea"/>
+                <a:cs typeface="+mn-cs"/>
+              </a:defRPr>
+            </a:lvl9pPr>
+          </a:lstStyle>
+          <a:p>
+            <a:pPr marL="0" indent="0" algn="ctr">
+              <a:buFont typeface="Arial" panose="020B0604020202020204" pitchFamily="34" charset="0"/>
+              <a:buNone/>
+            </a:pPr>
+            <a:r>
+              <a:rPr lang="en-US" smtClean="0">
+                <a:solidFill>
+                  <a:schemeClr val="tx1"/>
+                </a:solidFill>
+              </a:rPr>
+              <a:t>Animal</a:t>
+            </a:r>
+            <a:endParaRPr lang="en-US" dirty="0">
+              <a:solidFill>
+                <a:schemeClr val="tx1"/>
+              </a:solidFill>
+            </a:endParaRPr>
+          </a:p>
+        </p:txBody>
+      </p:sp>
+      <p:cxnSp>
+        <p:nvCxnSpPr>
+          <p:cNvPr id="33" name="Straight Arrow Connector 32"/>
+          <p:cNvCxnSpPr>
+            <a:stCxn id="5" idx="1"/>
+            <a:endCxn id="29" idx="3"/>
+          </p:cNvCxnSpPr>
+          <p:nvPr/>
+        </p:nvCxnSpPr>
+        <p:spPr>
+          <a:xfrm>
+            <a:off x="2811983" y="3464201"/>
+            <a:ext cx="212210" cy="1407129"/>
+          </a:xfrm>
+          <a:prstGeom prst="straightConnector1">
+            <a:avLst/>
+          </a:prstGeom>
+          <a:ln>
+            <a:tailEnd type="triangle"/>
+          </a:ln>
+        </p:spPr>
+        <p:style>
+          <a:lnRef idx="1">
+            <a:schemeClr val="accent1"/>
+          </a:lnRef>
+          <a:fillRef idx="0">
+            <a:schemeClr val="accent1"/>
+          </a:fillRef>
+          <a:effectRef idx="0">
+            <a:schemeClr val="accent1"/>
+          </a:effectRef>
+          <a:fontRef idx="minor">
+            <a:schemeClr val="tx1"/>
+          </a:fontRef>
+        </p:style>
+      </p:cxnSp>
+      <p:sp>
+        <p:nvSpPr>
+          <p:cNvPr id="42" name="Content Placeholder 3"/>
+          <p:cNvSpPr txBox="1">
+            <a:spLocks/>
+          </p:cNvSpPr>
+          <p:nvPr/>
+        </p:nvSpPr>
+        <p:spPr>
+          <a:xfrm>
+            <a:off x="510645" y="5542766"/>
+            <a:ext cx="947264" cy="521486"/>
+          </a:xfrm>
+          <a:prstGeom prst="snip2DiagRect">
+            <a:avLst/>
+          </a:prstGeom>
+          <a:solidFill>
+            <a:schemeClr val="bg2">
+              <a:lumMod val="90000"/>
+            </a:schemeClr>
+          </a:solidFill>
+          <a:ln w="9525" cap="flat" cmpd="sng" algn="ctr">
+            <a:solidFill>
+              <a:schemeClr val="tx1"/>
+            </a:solidFill>
+            <a:prstDash val="solid"/>
+          </a:ln>
+        </p:spPr>
+        <p:style>
+          <a:lnRef idx="1">
+            <a:schemeClr val="accent1"/>
+          </a:lnRef>
+          <a:fillRef idx="3">
+            <a:schemeClr val="accent1"/>
+          </a:fillRef>
+          <a:effectRef idx="2">
+            <a:schemeClr val="accent1"/>
+          </a:effectRef>
+          <a:fontRef idx="minor">
+            <a:schemeClr val="lt1"/>
+          </a:fontRef>
+        </p:style>
+        <p:txBody>
+          <a:bodyPr vert="horz" lIns="91440" tIns="45720" rIns="91440" bIns="45720" rtlCol="0" anchor="ctr">
+            <a:normAutofit fontScale="85000" lnSpcReduction="20000"/>
+          </a:bodyPr>
+          <a:lstStyle>
+            <a:lvl1pPr marL="342900" indent="-342900" algn="l" defTabSz="914400" rtl="0" eaLnBrk="1" latinLnBrk="0" hangingPunct="1">
+              <a:spcBef>
+                <a:spcPct val="20000"/>
+              </a:spcBef>
+              <a:buFont typeface="Arial" panose="020B0604020202020204" pitchFamily="34" charset="0"/>
+              <a:buChar char="•"/>
+              <a:defRPr sz="3200" kern="1200">
+                <a:solidFill>
+                  <a:schemeClr val="lt1"/>
+                </a:solidFill>
+                <a:latin typeface="+mn-lt"/>
+                <a:ea typeface="+mn-ea"/>
+                <a:cs typeface="+mn-cs"/>
+              </a:defRPr>
+            </a:lvl1pPr>
+            <a:lvl2pPr marL="742950" indent="-285750" algn="l" defTabSz="914400" rtl="0" eaLnBrk="1" latinLnBrk="0" hangingPunct="1">
+              <a:spcBef>
+                <a:spcPct val="20000"/>
+              </a:spcBef>
+              <a:buFont typeface="Arial" panose="020B0604020202020204" pitchFamily="34" charset="0"/>
+              <a:buChar char="–"/>
+              <a:defRPr sz="2800" kern="1200">
+                <a:solidFill>
+                  <a:schemeClr val="lt1"/>
+                </a:solidFill>
+                <a:latin typeface="+mn-lt"/>
+                <a:ea typeface="+mn-ea"/>
+                <a:cs typeface="+mn-cs"/>
+              </a:defRPr>
+            </a:lvl2pPr>
+            <a:lvl3pPr marL="1143000" indent="-228600" algn="l" defTabSz="914400" rtl="0" eaLnBrk="1" latinLnBrk="0" hangingPunct="1">
+              <a:spcBef>
+                <a:spcPct val="20000"/>
+              </a:spcBef>
+              <a:buFont typeface="Arial" panose="020B0604020202020204" pitchFamily="34" charset="0"/>
+              <a:buChar char="•"/>
+              <a:defRPr sz="2400" kern="1200">
+                <a:solidFill>
+                  <a:schemeClr val="lt1"/>
+                </a:solidFill>
+                <a:latin typeface="+mn-lt"/>
+                <a:ea typeface="+mn-ea"/>
+                <a:cs typeface="+mn-cs"/>
+              </a:defRPr>
+            </a:lvl3pPr>
+            <a:lvl4pPr marL="1600200" indent="-228600" algn="l" defTabSz="914400" rtl="0" eaLnBrk="1" latinLnBrk="0" hangingPunct="1">
+              <a:spcBef>
+                <a:spcPct val="20000"/>
+              </a:spcBef>
+              <a:buFont typeface="Arial" panose="020B0604020202020204" pitchFamily="34" charset="0"/>
+              <a:buChar char="–"/>
+              <a:defRPr sz="2000" kern="1200">
+                <a:solidFill>
+                  <a:schemeClr val="lt1"/>
+                </a:solidFill>
+                <a:latin typeface="+mn-lt"/>
+                <a:ea typeface="+mn-ea"/>
+                <a:cs typeface="+mn-cs"/>
+              </a:defRPr>
+            </a:lvl4pPr>
+            <a:lvl5pPr marL="2057400" indent="-228600" algn="l" defTabSz="914400" rtl="0" eaLnBrk="1" latinLnBrk="0" hangingPunct="1">
+              <a:spcBef>
+                <a:spcPct val="20000"/>
+              </a:spcBef>
+              <a:buFont typeface="Arial" panose="020B0604020202020204" pitchFamily="34" charset="0"/>
+              <a:buChar char="»"/>
+              <a:defRPr sz="2000" kern="1200">
+                <a:solidFill>
+                  <a:schemeClr val="lt1"/>
+                </a:solidFill>
+                <a:latin typeface="+mn-lt"/>
+                <a:ea typeface="+mn-ea"/>
+                <a:cs typeface="+mn-cs"/>
+              </a:defRPr>
+            </a:lvl5pPr>
+            <a:lvl6pPr marL="2514600" indent="-228600" algn="l" defTabSz="914400" rtl="0" eaLnBrk="1" latinLnBrk="0" hangingPunct="1">
+              <a:spcBef>
+                <a:spcPct val="20000"/>
+              </a:spcBef>
+              <a:buFont typeface="Arial" panose="020B0604020202020204" pitchFamily="34" charset="0"/>
+              <a:buChar char="•"/>
+              <a:defRPr sz="2000" kern="1200">
+                <a:solidFill>
+                  <a:schemeClr val="lt1"/>
+                </a:solidFill>
+                <a:latin typeface="+mn-lt"/>
+                <a:ea typeface="+mn-ea"/>
+                <a:cs typeface="+mn-cs"/>
+              </a:defRPr>
+            </a:lvl6pPr>
+            <a:lvl7pPr marL="2971800" indent="-228600" algn="l" defTabSz="914400" rtl="0" eaLnBrk="1" latinLnBrk="0" hangingPunct="1">
+              <a:spcBef>
+                <a:spcPct val="20000"/>
+              </a:spcBef>
+              <a:buFont typeface="Arial" panose="020B0604020202020204" pitchFamily="34" charset="0"/>
+              <a:buChar char="•"/>
+              <a:defRPr sz="2000" kern="1200">
+                <a:solidFill>
+                  <a:schemeClr val="lt1"/>
+                </a:solidFill>
+                <a:latin typeface="+mn-lt"/>
+                <a:ea typeface="+mn-ea"/>
+                <a:cs typeface="+mn-cs"/>
+              </a:defRPr>
+            </a:lvl7pPr>
+            <a:lvl8pPr marL="3429000" indent="-228600" algn="l" defTabSz="914400" rtl="0" eaLnBrk="1" latinLnBrk="0" hangingPunct="1">
+              <a:spcBef>
+                <a:spcPct val="20000"/>
+              </a:spcBef>
+              <a:buFont typeface="Arial" panose="020B0604020202020204" pitchFamily="34" charset="0"/>
+              <a:buChar char="•"/>
+              <a:defRPr sz="2000" kern="1200">
+                <a:solidFill>
+                  <a:schemeClr val="lt1"/>
+                </a:solidFill>
+                <a:latin typeface="+mn-lt"/>
+                <a:ea typeface="+mn-ea"/>
+                <a:cs typeface="+mn-cs"/>
+              </a:defRPr>
+            </a:lvl8pPr>
+            <a:lvl9pPr marL="3886200" indent="-228600" algn="l" defTabSz="914400" rtl="0" eaLnBrk="1" latinLnBrk="0" hangingPunct="1">
+              <a:spcBef>
+                <a:spcPct val="20000"/>
+              </a:spcBef>
+              <a:buFont typeface="Arial" panose="020B0604020202020204" pitchFamily="34" charset="0"/>
+              <a:buChar char="•"/>
+              <a:defRPr sz="2000" kern="1200">
+                <a:solidFill>
+                  <a:schemeClr val="lt1"/>
+                </a:solidFill>
+                <a:latin typeface="+mn-lt"/>
+                <a:ea typeface="+mn-ea"/>
+                <a:cs typeface="+mn-cs"/>
+              </a:defRPr>
+            </a:lvl9pPr>
+          </a:lstStyle>
+          <a:p>
+            <a:pPr marL="0" indent="0" algn="ctr">
+              <a:buFont typeface="Arial" panose="020B0604020202020204" pitchFamily="34" charset="0"/>
+              <a:buNone/>
+            </a:pPr>
+            <a:r>
+              <a:rPr lang="en-US" dirty="0" smtClean="0">
+                <a:solidFill>
+                  <a:schemeClr val="tx1"/>
+                </a:solidFill>
+              </a:rPr>
+              <a:t>Cage</a:t>
+            </a:r>
+            <a:endParaRPr lang="en-US" dirty="0">
+              <a:solidFill>
+                <a:schemeClr val="tx1"/>
+              </a:solidFill>
+            </a:endParaRPr>
+          </a:p>
+        </p:txBody>
+      </p:sp>
+      <p:sp>
+        <p:nvSpPr>
+          <p:cNvPr id="43" name="Content Placeholder 3"/>
+          <p:cNvSpPr txBox="1">
+            <a:spLocks/>
+          </p:cNvSpPr>
+          <p:nvPr/>
+        </p:nvSpPr>
+        <p:spPr>
+          <a:xfrm>
+            <a:off x="442158" y="6032216"/>
+            <a:ext cx="947264" cy="521486"/>
+          </a:xfrm>
+          <a:prstGeom prst="snip2DiagRect">
+            <a:avLst/>
+          </a:prstGeom>
+          <a:solidFill>
+            <a:schemeClr val="bg2">
+              <a:lumMod val="90000"/>
+            </a:schemeClr>
+          </a:solidFill>
+          <a:ln w="9525" cap="flat" cmpd="sng" algn="ctr">
+            <a:solidFill>
+              <a:schemeClr val="tx1"/>
+            </a:solidFill>
+            <a:prstDash val="solid"/>
+          </a:ln>
+        </p:spPr>
+        <p:style>
+          <a:lnRef idx="1">
+            <a:schemeClr val="accent1"/>
+          </a:lnRef>
+          <a:fillRef idx="3">
+            <a:schemeClr val="accent1"/>
+          </a:fillRef>
+          <a:effectRef idx="2">
+            <a:schemeClr val="accent1"/>
+          </a:effectRef>
+          <a:fontRef idx="minor">
+            <a:schemeClr val="lt1"/>
+          </a:fontRef>
+        </p:style>
+        <p:txBody>
+          <a:bodyPr vert="horz" lIns="91440" tIns="45720" rIns="91440" bIns="45720" rtlCol="0" anchor="ctr">
+            <a:normAutofit fontScale="85000" lnSpcReduction="20000"/>
+          </a:bodyPr>
+          <a:lstStyle>
+            <a:lvl1pPr marL="342900" indent="-342900" algn="l" defTabSz="914400" rtl="0" eaLnBrk="1" latinLnBrk="0" hangingPunct="1">
+              <a:spcBef>
+                <a:spcPct val="20000"/>
+              </a:spcBef>
+              <a:buFont typeface="Arial" panose="020B0604020202020204" pitchFamily="34" charset="0"/>
+              <a:buChar char="•"/>
+              <a:defRPr sz="3200" kern="1200">
+                <a:solidFill>
+                  <a:schemeClr val="lt1"/>
+                </a:solidFill>
+                <a:latin typeface="+mn-lt"/>
+                <a:ea typeface="+mn-ea"/>
+                <a:cs typeface="+mn-cs"/>
+              </a:defRPr>
+            </a:lvl1pPr>
+            <a:lvl2pPr marL="742950" indent="-285750" algn="l" defTabSz="914400" rtl="0" eaLnBrk="1" latinLnBrk="0" hangingPunct="1">
+              <a:spcBef>
+                <a:spcPct val="20000"/>
+              </a:spcBef>
+              <a:buFont typeface="Arial" panose="020B0604020202020204" pitchFamily="34" charset="0"/>
+              <a:buChar char="–"/>
+              <a:defRPr sz="2800" kern="1200">
+                <a:solidFill>
+                  <a:schemeClr val="lt1"/>
+                </a:solidFill>
+                <a:latin typeface="+mn-lt"/>
+                <a:ea typeface="+mn-ea"/>
+                <a:cs typeface="+mn-cs"/>
+              </a:defRPr>
+            </a:lvl2pPr>
+            <a:lvl3pPr marL="1143000" indent="-228600" algn="l" defTabSz="914400" rtl="0" eaLnBrk="1" latinLnBrk="0" hangingPunct="1">
+              <a:spcBef>
+                <a:spcPct val="20000"/>
+              </a:spcBef>
+              <a:buFont typeface="Arial" panose="020B0604020202020204" pitchFamily="34" charset="0"/>
+              <a:buChar char="•"/>
+              <a:defRPr sz="2400" kern="1200">
+                <a:solidFill>
+                  <a:schemeClr val="lt1"/>
+                </a:solidFill>
+                <a:latin typeface="+mn-lt"/>
+                <a:ea typeface="+mn-ea"/>
+                <a:cs typeface="+mn-cs"/>
+              </a:defRPr>
+            </a:lvl3pPr>
+            <a:lvl4pPr marL="1600200" indent="-228600" algn="l" defTabSz="914400" rtl="0" eaLnBrk="1" latinLnBrk="0" hangingPunct="1">
+              <a:spcBef>
+                <a:spcPct val="20000"/>
+              </a:spcBef>
+              <a:buFont typeface="Arial" panose="020B0604020202020204" pitchFamily="34" charset="0"/>
+              <a:buChar char="–"/>
+              <a:defRPr sz="2000" kern="1200">
+                <a:solidFill>
+                  <a:schemeClr val="lt1"/>
+                </a:solidFill>
+                <a:latin typeface="+mn-lt"/>
+                <a:ea typeface="+mn-ea"/>
+                <a:cs typeface="+mn-cs"/>
+              </a:defRPr>
+            </a:lvl4pPr>
+            <a:lvl5pPr marL="2057400" indent="-228600" algn="l" defTabSz="914400" rtl="0" eaLnBrk="1" latinLnBrk="0" hangingPunct="1">
+              <a:spcBef>
+                <a:spcPct val="20000"/>
+              </a:spcBef>
+              <a:buFont typeface="Arial" panose="020B0604020202020204" pitchFamily="34" charset="0"/>
+              <a:buChar char="»"/>
+              <a:defRPr sz="2000" kern="1200">
+                <a:solidFill>
+                  <a:schemeClr val="lt1"/>
+                </a:solidFill>
+                <a:latin typeface="+mn-lt"/>
+                <a:ea typeface="+mn-ea"/>
+                <a:cs typeface="+mn-cs"/>
+              </a:defRPr>
+            </a:lvl5pPr>
+            <a:lvl6pPr marL="2514600" indent="-228600" algn="l" defTabSz="914400" rtl="0" eaLnBrk="1" latinLnBrk="0" hangingPunct="1">
+              <a:spcBef>
+                <a:spcPct val="20000"/>
+              </a:spcBef>
+              <a:buFont typeface="Arial" panose="020B0604020202020204" pitchFamily="34" charset="0"/>
+              <a:buChar char="•"/>
+              <a:defRPr sz="2000" kern="1200">
+                <a:solidFill>
+                  <a:schemeClr val="lt1"/>
+                </a:solidFill>
+                <a:latin typeface="+mn-lt"/>
+                <a:ea typeface="+mn-ea"/>
+                <a:cs typeface="+mn-cs"/>
+              </a:defRPr>
+            </a:lvl6pPr>
+            <a:lvl7pPr marL="2971800" indent="-228600" algn="l" defTabSz="914400" rtl="0" eaLnBrk="1" latinLnBrk="0" hangingPunct="1">
+              <a:spcBef>
+                <a:spcPct val="20000"/>
+              </a:spcBef>
+              <a:buFont typeface="Arial" panose="020B0604020202020204" pitchFamily="34" charset="0"/>
+              <a:buChar char="•"/>
+              <a:defRPr sz="2000" kern="1200">
+                <a:solidFill>
+                  <a:schemeClr val="lt1"/>
+                </a:solidFill>
+                <a:latin typeface="+mn-lt"/>
+                <a:ea typeface="+mn-ea"/>
+                <a:cs typeface="+mn-cs"/>
+              </a:defRPr>
+            </a:lvl7pPr>
+            <a:lvl8pPr marL="3429000" indent="-228600" algn="l" defTabSz="914400" rtl="0" eaLnBrk="1" latinLnBrk="0" hangingPunct="1">
+              <a:spcBef>
+                <a:spcPct val="20000"/>
+              </a:spcBef>
+              <a:buFont typeface="Arial" panose="020B0604020202020204" pitchFamily="34" charset="0"/>
+              <a:buChar char="•"/>
+              <a:defRPr sz="2000" kern="1200">
+                <a:solidFill>
+                  <a:schemeClr val="lt1"/>
+                </a:solidFill>
+                <a:latin typeface="+mn-lt"/>
+                <a:ea typeface="+mn-ea"/>
+                <a:cs typeface="+mn-cs"/>
+              </a:defRPr>
+            </a:lvl8pPr>
+            <a:lvl9pPr marL="3886200" indent="-228600" algn="l" defTabSz="914400" rtl="0" eaLnBrk="1" latinLnBrk="0" hangingPunct="1">
+              <a:spcBef>
+                <a:spcPct val="20000"/>
+              </a:spcBef>
+              <a:buFont typeface="Arial" panose="020B0604020202020204" pitchFamily="34" charset="0"/>
+              <a:buChar char="•"/>
+              <a:defRPr sz="2000" kern="1200">
+                <a:solidFill>
+                  <a:schemeClr val="lt1"/>
+                </a:solidFill>
+                <a:latin typeface="+mn-lt"/>
+                <a:ea typeface="+mn-ea"/>
+                <a:cs typeface="+mn-cs"/>
+              </a:defRPr>
+            </a:lvl9pPr>
+          </a:lstStyle>
+          <a:p>
+            <a:pPr marL="0" indent="0" algn="ctr">
+              <a:buFont typeface="Arial" panose="020B0604020202020204" pitchFamily="34" charset="0"/>
+              <a:buNone/>
+            </a:pPr>
+            <a:r>
+              <a:rPr lang="en-US" dirty="0" smtClean="0">
+                <a:solidFill>
+                  <a:schemeClr val="tx1"/>
+                </a:solidFill>
+              </a:rPr>
+              <a:t>Cage</a:t>
+            </a:r>
+            <a:endParaRPr lang="en-US" dirty="0">
+              <a:solidFill>
+                <a:schemeClr val="tx1"/>
+              </a:solidFill>
+            </a:endParaRPr>
+          </a:p>
+        </p:txBody>
+      </p:sp>
+      <p:sp>
+        <p:nvSpPr>
+          <p:cNvPr id="44" name="Content Placeholder 3"/>
+          <p:cNvSpPr txBox="1">
+            <a:spLocks/>
+          </p:cNvSpPr>
+          <p:nvPr/>
+        </p:nvSpPr>
+        <p:spPr>
+          <a:xfrm>
+            <a:off x="5305843" y="2959280"/>
+            <a:ext cx="948223" cy="521486"/>
+          </a:xfrm>
+          <a:prstGeom prst="snip2DiagRect">
+            <a:avLst/>
+          </a:prstGeom>
+          <a:solidFill>
+            <a:schemeClr val="bg2">
+              <a:lumMod val="90000"/>
+            </a:schemeClr>
+          </a:solidFill>
+          <a:ln w="9525" cap="flat" cmpd="sng" algn="ctr">
+            <a:solidFill>
+              <a:schemeClr val="tx1"/>
+            </a:solidFill>
+            <a:prstDash val="solid"/>
+          </a:ln>
+        </p:spPr>
+        <p:style>
+          <a:lnRef idx="1">
+            <a:schemeClr val="accent1"/>
+          </a:lnRef>
+          <a:fillRef idx="3">
+            <a:schemeClr val="accent1"/>
+          </a:fillRef>
+          <a:effectRef idx="2">
+            <a:schemeClr val="accent1"/>
+          </a:effectRef>
+          <a:fontRef idx="minor">
+            <a:schemeClr val="lt1"/>
+          </a:fontRef>
+        </p:style>
+        <p:txBody>
+          <a:bodyPr vert="horz" lIns="91440" tIns="45720" rIns="91440" bIns="45720" rtlCol="0" anchor="ctr">
+            <a:normAutofit fontScale="62500" lnSpcReduction="20000"/>
+          </a:bodyPr>
+          <a:lstStyle>
+            <a:lvl1pPr marL="342900" indent="-342900" algn="l" defTabSz="914400" rtl="0" eaLnBrk="1" latinLnBrk="0" hangingPunct="1">
+              <a:spcBef>
+                <a:spcPct val="20000"/>
+              </a:spcBef>
+              <a:buFont typeface="Arial" panose="020B0604020202020204" pitchFamily="34" charset="0"/>
+              <a:buChar char="•"/>
+              <a:defRPr sz="3200" kern="1200">
+                <a:solidFill>
+                  <a:schemeClr val="lt1"/>
+                </a:solidFill>
+                <a:latin typeface="+mn-lt"/>
+                <a:ea typeface="+mn-ea"/>
+                <a:cs typeface="+mn-cs"/>
+              </a:defRPr>
+            </a:lvl1pPr>
+            <a:lvl2pPr marL="742950" indent="-285750" algn="l" defTabSz="914400" rtl="0" eaLnBrk="1" latinLnBrk="0" hangingPunct="1">
+              <a:spcBef>
+                <a:spcPct val="20000"/>
+              </a:spcBef>
+              <a:buFont typeface="Arial" panose="020B0604020202020204" pitchFamily="34" charset="0"/>
+              <a:buChar char="–"/>
+              <a:defRPr sz="2800" kern="1200">
+                <a:solidFill>
+                  <a:schemeClr val="lt1"/>
+                </a:solidFill>
+                <a:latin typeface="+mn-lt"/>
+                <a:ea typeface="+mn-ea"/>
+                <a:cs typeface="+mn-cs"/>
+              </a:defRPr>
+            </a:lvl2pPr>
+            <a:lvl3pPr marL="1143000" indent="-228600" algn="l" defTabSz="914400" rtl="0" eaLnBrk="1" latinLnBrk="0" hangingPunct="1">
+              <a:spcBef>
+                <a:spcPct val="20000"/>
+              </a:spcBef>
+              <a:buFont typeface="Arial" panose="020B0604020202020204" pitchFamily="34" charset="0"/>
+              <a:buChar char="•"/>
+              <a:defRPr sz="2400" kern="1200">
+                <a:solidFill>
+                  <a:schemeClr val="lt1"/>
+                </a:solidFill>
+                <a:latin typeface="+mn-lt"/>
+                <a:ea typeface="+mn-ea"/>
+                <a:cs typeface="+mn-cs"/>
+              </a:defRPr>
+            </a:lvl3pPr>
+            <a:lvl4pPr marL="1600200" indent="-228600" algn="l" defTabSz="914400" rtl="0" eaLnBrk="1" latinLnBrk="0" hangingPunct="1">
+              <a:spcBef>
+                <a:spcPct val="20000"/>
+              </a:spcBef>
+              <a:buFont typeface="Arial" panose="020B0604020202020204" pitchFamily="34" charset="0"/>
+              <a:buChar char="–"/>
+              <a:defRPr sz="2000" kern="1200">
+                <a:solidFill>
+                  <a:schemeClr val="lt1"/>
+                </a:solidFill>
+                <a:latin typeface="+mn-lt"/>
+                <a:ea typeface="+mn-ea"/>
+                <a:cs typeface="+mn-cs"/>
+              </a:defRPr>
+            </a:lvl4pPr>
+            <a:lvl5pPr marL="2057400" indent="-228600" algn="l" defTabSz="914400" rtl="0" eaLnBrk="1" latinLnBrk="0" hangingPunct="1">
+              <a:spcBef>
+                <a:spcPct val="20000"/>
+              </a:spcBef>
+              <a:buFont typeface="Arial" panose="020B0604020202020204" pitchFamily="34" charset="0"/>
+              <a:buChar char="»"/>
+              <a:defRPr sz="2000" kern="1200">
+                <a:solidFill>
+                  <a:schemeClr val="lt1"/>
+                </a:solidFill>
+                <a:latin typeface="+mn-lt"/>
+                <a:ea typeface="+mn-ea"/>
+                <a:cs typeface="+mn-cs"/>
+              </a:defRPr>
+            </a:lvl5pPr>
+            <a:lvl6pPr marL="2514600" indent="-228600" algn="l" defTabSz="914400" rtl="0" eaLnBrk="1" latinLnBrk="0" hangingPunct="1">
+              <a:spcBef>
+                <a:spcPct val="20000"/>
+              </a:spcBef>
+              <a:buFont typeface="Arial" panose="020B0604020202020204" pitchFamily="34" charset="0"/>
+              <a:buChar char="•"/>
+              <a:defRPr sz="2000" kern="1200">
+                <a:solidFill>
+                  <a:schemeClr val="lt1"/>
+                </a:solidFill>
+                <a:latin typeface="+mn-lt"/>
+                <a:ea typeface="+mn-ea"/>
+                <a:cs typeface="+mn-cs"/>
+              </a:defRPr>
+            </a:lvl6pPr>
+            <a:lvl7pPr marL="2971800" indent="-228600" algn="l" defTabSz="914400" rtl="0" eaLnBrk="1" latinLnBrk="0" hangingPunct="1">
+              <a:spcBef>
+                <a:spcPct val="20000"/>
+              </a:spcBef>
+              <a:buFont typeface="Arial" panose="020B0604020202020204" pitchFamily="34" charset="0"/>
+              <a:buChar char="•"/>
+              <a:defRPr sz="2000" kern="1200">
+                <a:solidFill>
+                  <a:schemeClr val="lt1"/>
+                </a:solidFill>
+                <a:latin typeface="+mn-lt"/>
+                <a:ea typeface="+mn-ea"/>
+                <a:cs typeface="+mn-cs"/>
+              </a:defRPr>
+            </a:lvl7pPr>
+            <a:lvl8pPr marL="3429000" indent="-228600" algn="l" defTabSz="914400" rtl="0" eaLnBrk="1" latinLnBrk="0" hangingPunct="1">
+              <a:spcBef>
+                <a:spcPct val="20000"/>
+              </a:spcBef>
+              <a:buFont typeface="Arial" panose="020B0604020202020204" pitchFamily="34" charset="0"/>
+              <a:buChar char="•"/>
+              <a:defRPr sz="2000" kern="1200">
+                <a:solidFill>
+                  <a:schemeClr val="lt1"/>
+                </a:solidFill>
+                <a:latin typeface="+mn-lt"/>
+                <a:ea typeface="+mn-ea"/>
+                <a:cs typeface="+mn-cs"/>
+              </a:defRPr>
+            </a:lvl8pPr>
+            <a:lvl9pPr marL="3886200" indent="-228600" algn="l" defTabSz="914400" rtl="0" eaLnBrk="1" latinLnBrk="0" hangingPunct="1">
+              <a:spcBef>
+                <a:spcPct val="20000"/>
+              </a:spcBef>
+              <a:buFont typeface="Arial" panose="020B0604020202020204" pitchFamily="34" charset="0"/>
+              <a:buChar char="•"/>
+              <a:defRPr sz="2000" kern="1200">
+                <a:solidFill>
+                  <a:schemeClr val="lt1"/>
+                </a:solidFill>
+                <a:latin typeface="+mn-lt"/>
+                <a:ea typeface="+mn-ea"/>
+                <a:cs typeface="+mn-cs"/>
+              </a:defRPr>
+            </a:lvl9pPr>
+          </a:lstStyle>
+          <a:p>
+            <a:pPr marL="0" indent="0" algn="ctr">
+              <a:buFont typeface="Arial" panose="020B0604020202020204" pitchFamily="34" charset="0"/>
+              <a:buNone/>
+            </a:pPr>
+            <a:r>
+              <a:rPr lang="en-US" dirty="0" smtClean="0">
+                <a:solidFill>
+                  <a:schemeClr val="tx1"/>
+                </a:solidFill>
+              </a:rPr>
+              <a:t>Trump</a:t>
+            </a:r>
+            <a:endParaRPr lang="en-US" dirty="0">
+              <a:solidFill>
+                <a:schemeClr val="tx1"/>
+              </a:solidFill>
+            </a:endParaRPr>
+          </a:p>
+        </p:txBody>
+      </p:sp>
+      <p:sp>
+        <p:nvSpPr>
+          <p:cNvPr id="45" name="Content Placeholder 3"/>
+          <p:cNvSpPr txBox="1">
+            <a:spLocks/>
+          </p:cNvSpPr>
+          <p:nvPr/>
+        </p:nvSpPr>
+        <p:spPr>
+          <a:xfrm>
+            <a:off x="3862178" y="2959280"/>
+            <a:ext cx="962443" cy="529307"/>
+          </a:xfrm>
+          <a:prstGeom prst="snip2DiagRect">
+            <a:avLst/>
+          </a:prstGeom>
+          <a:solidFill>
+            <a:schemeClr val="bg2">
+              <a:lumMod val="90000"/>
+            </a:schemeClr>
+          </a:solidFill>
+          <a:ln w="9525" cap="flat" cmpd="sng" algn="ctr">
+            <a:solidFill>
+              <a:schemeClr val="tx1"/>
+            </a:solidFill>
+            <a:prstDash val="solid"/>
+          </a:ln>
+        </p:spPr>
+        <p:style>
+          <a:lnRef idx="1">
+            <a:schemeClr val="accent1"/>
+          </a:lnRef>
+          <a:fillRef idx="3">
+            <a:schemeClr val="accent1"/>
+          </a:fillRef>
+          <a:effectRef idx="2">
+            <a:schemeClr val="accent1"/>
+          </a:effectRef>
+          <a:fontRef idx="minor">
+            <a:schemeClr val="lt1"/>
+          </a:fontRef>
+        </p:style>
+        <p:txBody>
+          <a:bodyPr vert="horz" lIns="91440" tIns="45720" rIns="91440" bIns="45720" rtlCol="0" anchor="ctr">
+            <a:normAutofit fontScale="62500" lnSpcReduction="20000"/>
+          </a:bodyPr>
+          <a:lstStyle>
+            <a:lvl1pPr marL="342900" indent="-342900" algn="l" defTabSz="914400" rtl="0" eaLnBrk="1" latinLnBrk="0" hangingPunct="1">
+              <a:spcBef>
+                <a:spcPct val="20000"/>
+              </a:spcBef>
+              <a:buFont typeface="Arial" panose="020B0604020202020204" pitchFamily="34" charset="0"/>
+              <a:buChar char="•"/>
+              <a:defRPr sz="3200" kern="1200">
+                <a:solidFill>
+                  <a:schemeClr val="lt1"/>
+                </a:solidFill>
+                <a:latin typeface="+mn-lt"/>
+                <a:ea typeface="+mn-ea"/>
+                <a:cs typeface="+mn-cs"/>
+              </a:defRPr>
+            </a:lvl1pPr>
+            <a:lvl2pPr marL="742950" indent="-285750" algn="l" defTabSz="914400" rtl="0" eaLnBrk="1" latinLnBrk="0" hangingPunct="1">
+              <a:spcBef>
+                <a:spcPct val="20000"/>
+              </a:spcBef>
+              <a:buFont typeface="Arial" panose="020B0604020202020204" pitchFamily="34" charset="0"/>
+              <a:buChar char="–"/>
+              <a:defRPr sz="2800" kern="1200">
+                <a:solidFill>
+                  <a:schemeClr val="lt1"/>
+                </a:solidFill>
+                <a:latin typeface="+mn-lt"/>
+                <a:ea typeface="+mn-ea"/>
+                <a:cs typeface="+mn-cs"/>
+              </a:defRPr>
+            </a:lvl2pPr>
+            <a:lvl3pPr marL="1143000" indent="-228600" algn="l" defTabSz="914400" rtl="0" eaLnBrk="1" latinLnBrk="0" hangingPunct="1">
+              <a:spcBef>
+                <a:spcPct val="20000"/>
+              </a:spcBef>
+              <a:buFont typeface="Arial" panose="020B0604020202020204" pitchFamily="34" charset="0"/>
+              <a:buChar char="•"/>
+              <a:defRPr sz="2400" kern="1200">
+                <a:solidFill>
+                  <a:schemeClr val="lt1"/>
+                </a:solidFill>
+                <a:latin typeface="+mn-lt"/>
+                <a:ea typeface="+mn-ea"/>
+                <a:cs typeface="+mn-cs"/>
+              </a:defRPr>
+            </a:lvl3pPr>
+            <a:lvl4pPr marL="1600200" indent="-228600" algn="l" defTabSz="914400" rtl="0" eaLnBrk="1" latinLnBrk="0" hangingPunct="1">
+              <a:spcBef>
+                <a:spcPct val="20000"/>
+              </a:spcBef>
+              <a:buFont typeface="Arial" panose="020B0604020202020204" pitchFamily="34" charset="0"/>
+              <a:buChar char="–"/>
+              <a:defRPr sz="2000" kern="1200">
+                <a:solidFill>
+                  <a:schemeClr val="lt1"/>
+                </a:solidFill>
+                <a:latin typeface="+mn-lt"/>
+                <a:ea typeface="+mn-ea"/>
+                <a:cs typeface="+mn-cs"/>
+              </a:defRPr>
+            </a:lvl4pPr>
+            <a:lvl5pPr marL="2057400" indent="-228600" algn="l" defTabSz="914400" rtl="0" eaLnBrk="1" latinLnBrk="0" hangingPunct="1">
+              <a:spcBef>
+                <a:spcPct val="20000"/>
+              </a:spcBef>
+              <a:buFont typeface="Arial" panose="020B0604020202020204" pitchFamily="34" charset="0"/>
+              <a:buChar char="»"/>
+              <a:defRPr sz="2000" kern="1200">
+                <a:solidFill>
+                  <a:schemeClr val="lt1"/>
+                </a:solidFill>
+                <a:latin typeface="+mn-lt"/>
+                <a:ea typeface="+mn-ea"/>
+                <a:cs typeface="+mn-cs"/>
+              </a:defRPr>
+            </a:lvl5pPr>
+            <a:lvl6pPr marL="2514600" indent="-228600" algn="l" defTabSz="914400" rtl="0" eaLnBrk="1" latinLnBrk="0" hangingPunct="1">
+              <a:spcBef>
+                <a:spcPct val="20000"/>
+              </a:spcBef>
+              <a:buFont typeface="Arial" panose="020B0604020202020204" pitchFamily="34" charset="0"/>
+              <a:buChar char="•"/>
+              <a:defRPr sz="2000" kern="1200">
+                <a:solidFill>
+                  <a:schemeClr val="lt1"/>
+                </a:solidFill>
+                <a:latin typeface="+mn-lt"/>
+                <a:ea typeface="+mn-ea"/>
+                <a:cs typeface="+mn-cs"/>
+              </a:defRPr>
+            </a:lvl6pPr>
+            <a:lvl7pPr marL="2971800" indent="-228600" algn="l" defTabSz="914400" rtl="0" eaLnBrk="1" latinLnBrk="0" hangingPunct="1">
+              <a:spcBef>
+                <a:spcPct val="20000"/>
+              </a:spcBef>
+              <a:buFont typeface="Arial" panose="020B0604020202020204" pitchFamily="34" charset="0"/>
+              <a:buChar char="•"/>
+              <a:defRPr sz="2000" kern="1200">
+                <a:solidFill>
+                  <a:schemeClr val="lt1"/>
+                </a:solidFill>
+                <a:latin typeface="+mn-lt"/>
+                <a:ea typeface="+mn-ea"/>
+                <a:cs typeface="+mn-cs"/>
+              </a:defRPr>
+            </a:lvl7pPr>
+            <a:lvl8pPr marL="3429000" indent="-228600" algn="l" defTabSz="914400" rtl="0" eaLnBrk="1" latinLnBrk="0" hangingPunct="1">
+              <a:spcBef>
+                <a:spcPct val="20000"/>
+              </a:spcBef>
+              <a:buFont typeface="Arial" panose="020B0604020202020204" pitchFamily="34" charset="0"/>
+              <a:buChar char="•"/>
+              <a:defRPr sz="2000" kern="1200">
+                <a:solidFill>
+                  <a:schemeClr val="lt1"/>
+                </a:solidFill>
+                <a:latin typeface="+mn-lt"/>
+                <a:ea typeface="+mn-ea"/>
+                <a:cs typeface="+mn-cs"/>
+              </a:defRPr>
+            </a:lvl8pPr>
+            <a:lvl9pPr marL="3886200" indent="-228600" algn="l" defTabSz="914400" rtl="0" eaLnBrk="1" latinLnBrk="0" hangingPunct="1">
+              <a:spcBef>
+                <a:spcPct val="20000"/>
+              </a:spcBef>
+              <a:buFont typeface="Arial" panose="020B0604020202020204" pitchFamily="34" charset="0"/>
+              <a:buChar char="•"/>
+              <a:defRPr sz="2000" kern="1200">
+                <a:solidFill>
+                  <a:schemeClr val="lt1"/>
+                </a:solidFill>
+                <a:latin typeface="+mn-lt"/>
+                <a:ea typeface="+mn-ea"/>
+                <a:cs typeface="+mn-cs"/>
+              </a:defRPr>
+            </a:lvl9pPr>
+          </a:lstStyle>
+          <a:p>
+            <a:pPr marL="0" indent="0" algn="ctr">
+              <a:buFont typeface="Arial" panose="020B0604020202020204" pitchFamily="34" charset="0"/>
+              <a:buNone/>
+            </a:pPr>
+            <a:r>
+              <a:rPr lang="en-US" dirty="0" smtClean="0">
+                <a:solidFill>
+                  <a:schemeClr val="tx1"/>
+                </a:solidFill>
+              </a:rPr>
+              <a:t>Player</a:t>
+            </a:r>
+            <a:endParaRPr lang="en-US" dirty="0">
+              <a:solidFill>
+                <a:schemeClr val="tx1"/>
+              </a:solidFill>
+            </a:endParaRPr>
+          </a:p>
+        </p:txBody>
+      </p:sp>
+      <p:cxnSp>
+        <p:nvCxnSpPr>
+          <p:cNvPr id="49" name="Straight Arrow Connector 48"/>
+          <p:cNvCxnSpPr>
+            <a:stCxn id="4" idx="1"/>
+            <a:endCxn id="45" idx="3"/>
+          </p:cNvCxnSpPr>
+          <p:nvPr/>
+        </p:nvCxnSpPr>
+        <p:spPr>
+          <a:xfrm>
+            <a:off x="4343400" y="2263099"/>
+            <a:ext cx="0" cy="696181"/>
+          </a:xfrm>
+          <a:prstGeom prst="straightConnector1">
+            <a:avLst/>
+          </a:prstGeom>
+          <a:ln>
+            <a:tailEnd type="triangle"/>
+          </a:ln>
+        </p:spPr>
+        <p:style>
+          <a:lnRef idx="1">
+            <a:schemeClr val="accent1"/>
+          </a:lnRef>
+          <a:fillRef idx="0">
+            <a:schemeClr val="accent1"/>
+          </a:fillRef>
+          <a:effectRef idx="0">
+            <a:schemeClr val="accent1"/>
+          </a:effectRef>
+          <a:fontRef idx="minor">
+            <a:schemeClr val="tx1"/>
+          </a:fontRef>
+        </p:style>
+      </p:cxnSp>
+      <p:cxnSp>
+        <p:nvCxnSpPr>
+          <p:cNvPr id="52" name="Straight Arrow Connector 51"/>
+          <p:cNvCxnSpPr>
+            <a:stCxn id="4" idx="1"/>
+            <a:endCxn id="44" idx="3"/>
+          </p:cNvCxnSpPr>
+          <p:nvPr/>
+        </p:nvCxnSpPr>
+        <p:spPr>
+          <a:xfrm>
+            <a:off x="4343400" y="2263099"/>
+            <a:ext cx="1436555" cy="696181"/>
+          </a:xfrm>
+          <a:prstGeom prst="straightConnector1">
+            <a:avLst/>
+          </a:prstGeom>
+          <a:ln>
+            <a:tailEnd type="triangle"/>
+          </a:ln>
+        </p:spPr>
+        <p:style>
+          <a:lnRef idx="1">
+            <a:schemeClr val="accent1"/>
+          </a:lnRef>
+          <a:fillRef idx="0">
+            <a:schemeClr val="accent1"/>
+          </a:fillRef>
+          <a:effectRef idx="0">
+            <a:schemeClr val="accent1"/>
+          </a:effectRef>
+          <a:fontRef idx="minor">
+            <a:schemeClr val="tx1"/>
+          </a:fontRef>
+        </p:style>
+      </p:cxnSp>
+    </p:spTree>
+    <p:extLst>
+      <p:ext uri="{BB962C8B-B14F-4D97-AF65-F5344CB8AC3E}">
+        <p14:creationId xmlns:p14="http://schemas.microsoft.com/office/powerpoint/2010/main" val="1923297358"/>
       </p:ext>
     </p:extLst>
   </p:cSld>
